--- a/SQL Project.pptx
+++ b/SQL Project.pptx
@@ -5,10 +5,10 @@
     <p:sldMasterId id="2147483650" r:id="rId4"/>
   </p:sldMasterIdLst>
   <p:notesMasterIdLst>
-    <p:notesMasterId r:id="rId16"/>
+    <p:notesMasterId r:id="rId17"/>
   </p:notesMasterIdLst>
   <p:handoutMasterIdLst>
-    <p:handoutMasterId r:id="rId17"/>
+    <p:handoutMasterId r:id="rId18"/>
   </p:handoutMasterIdLst>
   <p:sldIdLst>
     <p:sldId id="312" r:id="rId5"/>
@@ -18,10 +18,11 @@
     <p:sldId id="314" r:id="rId9"/>
     <p:sldId id="315" r:id="rId10"/>
     <p:sldId id="317" r:id="rId11"/>
-    <p:sldId id="323" r:id="rId12"/>
-    <p:sldId id="318" r:id="rId13"/>
-    <p:sldId id="319" r:id="rId14"/>
-    <p:sldId id="297" r:id="rId15"/>
+    <p:sldId id="324" r:id="rId12"/>
+    <p:sldId id="323" r:id="rId13"/>
+    <p:sldId id="318" r:id="rId14"/>
+    <p:sldId id="319" r:id="rId15"/>
+    <p:sldId id="297" r:id="rId16"/>
   </p:sldIdLst>
   <p:sldSz cx="12192000" cy="6858000"/>
   <p:notesSz cx="13716000" cy="24384000"/>
@@ -1708,6 +1709,4024 @@
 </c:chartSpace>
 </file>
 
+<file path=ppt/charts/chart4.xml><?xml version="1.0" encoding="utf-8"?>
+<c:chartSpace xmlns:c="http://schemas.openxmlformats.org/drawingml/2006/chart" xmlns:a="http://schemas.openxmlformats.org/drawingml/2006/main" xmlns:r="http://schemas.openxmlformats.org/officeDocument/2006/relationships" xmlns:c16r2="http://schemas.microsoft.com/office/drawing/2015/06/chart">
+  <c:date1904 val="0"/>
+  <c:lang val="en-US"/>
+  <c:roundedCorners val="0"/>
+  <mc:AlternateContent xmlns:mc="http://schemas.openxmlformats.org/markup-compatibility/2006">
+    <mc:Choice xmlns:c14="http://schemas.microsoft.com/office/drawing/2007/8/2/chart" Requires="c14">
+      <c14:style val="102"/>
+    </mc:Choice>
+    <mc:Fallback>
+      <c:style val="2"/>
+    </mc:Fallback>
+  </mc:AlternateContent>
+  <c:chart>
+    <c:title>
+      <c:tx>
+        <c:rich>
+          <a:bodyPr rot="0" spcFirstLastPara="1" vertOverflow="ellipsis" vert="horz" wrap="square" anchor="ctr" anchorCtr="1"/>
+          <a:lstStyle/>
+          <a:p>
+            <a:pPr>
+              <a:defRPr sz="1400" b="0" i="0" u="none" strike="noStrike" kern="1200" spc="0" baseline="0">
+                <a:solidFill>
+                  <a:schemeClr val="tx1">
+                    <a:lumMod val="65000"/>
+                    <a:lumOff val="35000"/>
+                  </a:schemeClr>
+                </a:solidFill>
+                <a:latin typeface="+mn-lt"/>
+                <a:ea typeface="+mn-ea"/>
+                <a:cs typeface="+mn-cs"/>
+              </a:defRPr>
+            </a:pPr>
+            <a:r>
+              <a:rPr lang="en-CA" dirty="0"/>
+              <a:t>Orders per</a:t>
+            </a:r>
+            <a:r>
+              <a:rPr lang="en-CA" baseline="0" dirty="0"/>
+              <a:t> country</a:t>
+            </a:r>
+          </a:p>
+        </c:rich>
+      </c:tx>
+      <c:overlay val="0"/>
+      <c:spPr>
+        <a:noFill/>
+        <a:ln>
+          <a:noFill/>
+        </a:ln>
+        <a:effectLst/>
+      </c:spPr>
+      <c:txPr>
+        <a:bodyPr rot="0" spcFirstLastPara="1" vertOverflow="ellipsis" vert="horz" wrap="square" anchor="ctr" anchorCtr="1"/>
+        <a:lstStyle/>
+        <a:p>
+          <a:pPr>
+            <a:defRPr sz="1400" b="0" i="0" u="none" strike="noStrike" kern="1200" spc="0" baseline="0">
+              <a:solidFill>
+                <a:schemeClr val="tx1">
+                  <a:lumMod val="65000"/>
+                  <a:lumOff val="35000"/>
+                </a:schemeClr>
+              </a:solidFill>
+              <a:latin typeface="+mn-lt"/>
+              <a:ea typeface="+mn-ea"/>
+              <a:cs typeface="+mn-cs"/>
+            </a:defRPr>
+          </a:pPr>
+          <a:endParaRPr lang="en-US"/>
+        </a:p>
+      </c:txPr>
+    </c:title>
+    <c:autoTitleDeleted val="0"/>
+    <c:plotArea>
+      <c:layout/>
+      <c:pieChart>
+        <c:varyColors val="1"/>
+        <c:ser>
+          <c:idx val="0"/>
+          <c:order val="0"/>
+          <c:dPt>
+            <c:idx val="0"/>
+            <c:bubble3D val="0"/>
+            <c:spPr>
+              <a:solidFill>
+                <a:schemeClr val="accent1"/>
+              </a:solidFill>
+              <a:ln w="19050">
+                <a:solidFill>
+                  <a:schemeClr val="lt1"/>
+                </a:solidFill>
+              </a:ln>
+              <a:effectLst/>
+            </c:spPr>
+            <c:extLst>
+              <c:ext xmlns:c16="http://schemas.microsoft.com/office/drawing/2014/chart" uri="{C3380CC4-5D6E-409C-BE32-E72D297353CC}">
+                <c16:uniqueId val="{00000001-C6CD-4A46-9165-F64F8C0DE366}"/>
+              </c:ext>
+            </c:extLst>
+          </c:dPt>
+          <c:dPt>
+            <c:idx val="1"/>
+            <c:bubble3D val="0"/>
+            <c:spPr>
+              <a:solidFill>
+                <a:schemeClr val="accent2"/>
+              </a:solidFill>
+              <a:ln w="19050">
+                <a:solidFill>
+                  <a:schemeClr val="lt1"/>
+                </a:solidFill>
+              </a:ln>
+              <a:effectLst/>
+            </c:spPr>
+            <c:extLst>
+              <c:ext xmlns:c16="http://schemas.microsoft.com/office/drawing/2014/chart" uri="{C3380CC4-5D6E-409C-BE32-E72D297353CC}">
+                <c16:uniqueId val="{00000003-C6CD-4A46-9165-F64F8C0DE366}"/>
+              </c:ext>
+            </c:extLst>
+          </c:dPt>
+          <c:dPt>
+            <c:idx val="2"/>
+            <c:bubble3D val="0"/>
+            <c:spPr>
+              <a:solidFill>
+                <a:schemeClr val="accent3"/>
+              </a:solidFill>
+              <a:ln w="19050">
+                <a:solidFill>
+                  <a:schemeClr val="lt1"/>
+                </a:solidFill>
+              </a:ln>
+              <a:effectLst/>
+            </c:spPr>
+            <c:extLst>
+              <c:ext xmlns:c16="http://schemas.microsoft.com/office/drawing/2014/chart" uri="{C3380CC4-5D6E-409C-BE32-E72D297353CC}">
+                <c16:uniqueId val="{00000005-C6CD-4A46-9165-F64F8C0DE366}"/>
+              </c:ext>
+            </c:extLst>
+          </c:dPt>
+          <c:dPt>
+            <c:idx val="3"/>
+            <c:bubble3D val="0"/>
+            <c:spPr>
+              <a:solidFill>
+                <a:schemeClr val="accent4"/>
+              </a:solidFill>
+              <a:ln w="19050">
+                <a:solidFill>
+                  <a:schemeClr val="lt1"/>
+                </a:solidFill>
+              </a:ln>
+              <a:effectLst/>
+            </c:spPr>
+            <c:extLst>
+              <c:ext xmlns:c16="http://schemas.microsoft.com/office/drawing/2014/chart" uri="{C3380CC4-5D6E-409C-BE32-E72D297353CC}">
+                <c16:uniqueId val="{00000007-C6CD-4A46-9165-F64F8C0DE366}"/>
+              </c:ext>
+            </c:extLst>
+          </c:dPt>
+          <c:dPt>
+            <c:idx val="4"/>
+            <c:bubble3D val="0"/>
+            <c:spPr>
+              <a:solidFill>
+                <a:schemeClr val="accent5"/>
+              </a:solidFill>
+              <a:ln w="19050">
+                <a:solidFill>
+                  <a:schemeClr val="lt1"/>
+                </a:solidFill>
+              </a:ln>
+              <a:effectLst/>
+            </c:spPr>
+            <c:extLst>
+              <c:ext xmlns:c16="http://schemas.microsoft.com/office/drawing/2014/chart" uri="{C3380CC4-5D6E-409C-BE32-E72D297353CC}">
+                <c16:uniqueId val="{00000009-C6CD-4A46-9165-F64F8C0DE366}"/>
+              </c:ext>
+            </c:extLst>
+          </c:dPt>
+          <c:dPt>
+            <c:idx val="5"/>
+            <c:bubble3D val="0"/>
+            <c:spPr>
+              <a:solidFill>
+                <a:schemeClr val="accent6"/>
+              </a:solidFill>
+              <a:ln w="19050">
+                <a:solidFill>
+                  <a:schemeClr val="lt1"/>
+                </a:solidFill>
+              </a:ln>
+              <a:effectLst/>
+            </c:spPr>
+            <c:extLst>
+              <c:ext xmlns:c16="http://schemas.microsoft.com/office/drawing/2014/chart" uri="{C3380CC4-5D6E-409C-BE32-E72D297353CC}">
+                <c16:uniqueId val="{0000000B-C6CD-4A46-9165-F64F8C0DE366}"/>
+              </c:ext>
+            </c:extLst>
+          </c:dPt>
+          <c:dPt>
+            <c:idx val="6"/>
+            <c:bubble3D val="0"/>
+            <c:spPr>
+              <a:solidFill>
+                <a:schemeClr val="accent1">
+                  <a:lumMod val="60000"/>
+                </a:schemeClr>
+              </a:solidFill>
+              <a:ln w="19050">
+                <a:solidFill>
+                  <a:schemeClr val="lt1"/>
+                </a:solidFill>
+              </a:ln>
+              <a:effectLst/>
+            </c:spPr>
+            <c:extLst>
+              <c:ext xmlns:c16="http://schemas.microsoft.com/office/drawing/2014/chart" uri="{C3380CC4-5D6E-409C-BE32-E72D297353CC}">
+                <c16:uniqueId val="{0000000D-C6CD-4A46-9165-F64F8C0DE366}"/>
+              </c:ext>
+            </c:extLst>
+          </c:dPt>
+          <c:dPt>
+            <c:idx val="7"/>
+            <c:bubble3D val="0"/>
+            <c:spPr>
+              <a:solidFill>
+                <a:schemeClr val="accent2">
+                  <a:lumMod val="60000"/>
+                </a:schemeClr>
+              </a:solidFill>
+              <a:ln w="19050">
+                <a:solidFill>
+                  <a:schemeClr val="lt1"/>
+                </a:solidFill>
+              </a:ln>
+              <a:effectLst/>
+            </c:spPr>
+            <c:extLst>
+              <c:ext xmlns:c16="http://schemas.microsoft.com/office/drawing/2014/chart" uri="{C3380CC4-5D6E-409C-BE32-E72D297353CC}">
+                <c16:uniqueId val="{0000000F-C6CD-4A46-9165-F64F8C0DE366}"/>
+              </c:ext>
+            </c:extLst>
+          </c:dPt>
+          <c:dPt>
+            <c:idx val="8"/>
+            <c:bubble3D val="0"/>
+            <c:spPr>
+              <a:solidFill>
+                <a:schemeClr val="accent3">
+                  <a:lumMod val="60000"/>
+                </a:schemeClr>
+              </a:solidFill>
+              <a:ln w="19050">
+                <a:solidFill>
+                  <a:schemeClr val="lt1"/>
+                </a:solidFill>
+              </a:ln>
+              <a:effectLst/>
+            </c:spPr>
+            <c:extLst>
+              <c:ext xmlns:c16="http://schemas.microsoft.com/office/drawing/2014/chart" uri="{C3380CC4-5D6E-409C-BE32-E72D297353CC}">
+                <c16:uniqueId val="{00000011-C6CD-4A46-9165-F64F8C0DE366}"/>
+              </c:ext>
+            </c:extLst>
+          </c:dPt>
+          <c:dPt>
+            <c:idx val="9"/>
+            <c:bubble3D val="0"/>
+            <c:spPr>
+              <a:solidFill>
+                <a:schemeClr val="accent4">
+                  <a:lumMod val="60000"/>
+                </a:schemeClr>
+              </a:solidFill>
+              <a:ln w="19050">
+                <a:solidFill>
+                  <a:schemeClr val="lt1"/>
+                </a:solidFill>
+              </a:ln>
+              <a:effectLst/>
+            </c:spPr>
+            <c:extLst>
+              <c:ext xmlns:c16="http://schemas.microsoft.com/office/drawing/2014/chart" uri="{C3380CC4-5D6E-409C-BE32-E72D297353CC}">
+                <c16:uniqueId val="{00000013-C6CD-4A46-9165-F64F8C0DE366}"/>
+              </c:ext>
+            </c:extLst>
+          </c:dPt>
+          <c:dPt>
+            <c:idx val="10"/>
+            <c:bubble3D val="0"/>
+            <c:spPr>
+              <a:solidFill>
+                <a:schemeClr val="accent5">
+                  <a:lumMod val="60000"/>
+                </a:schemeClr>
+              </a:solidFill>
+              <a:ln w="19050">
+                <a:solidFill>
+                  <a:schemeClr val="lt1"/>
+                </a:solidFill>
+              </a:ln>
+              <a:effectLst/>
+            </c:spPr>
+            <c:extLst>
+              <c:ext xmlns:c16="http://schemas.microsoft.com/office/drawing/2014/chart" uri="{C3380CC4-5D6E-409C-BE32-E72D297353CC}">
+                <c16:uniqueId val="{00000015-C6CD-4A46-9165-F64F8C0DE366}"/>
+              </c:ext>
+            </c:extLst>
+          </c:dPt>
+          <c:dPt>
+            <c:idx val="11"/>
+            <c:bubble3D val="0"/>
+            <c:spPr>
+              <a:solidFill>
+                <a:schemeClr val="accent6">
+                  <a:lumMod val="60000"/>
+                </a:schemeClr>
+              </a:solidFill>
+              <a:ln w="19050">
+                <a:solidFill>
+                  <a:schemeClr val="lt1"/>
+                </a:solidFill>
+              </a:ln>
+              <a:effectLst/>
+            </c:spPr>
+            <c:extLst>
+              <c:ext xmlns:c16="http://schemas.microsoft.com/office/drawing/2014/chart" uri="{C3380CC4-5D6E-409C-BE32-E72D297353CC}">
+                <c16:uniqueId val="{00000017-C6CD-4A46-9165-F64F8C0DE366}"/>
+              </c:ext>
+            </c:extLst>
+          </c:dPt>
+          <c:dPt>
+            <c:idx val="12"/>
+            <c:bubble3D val="0"/>
+            <c:spPr>
+              <a:solidFill>
+                <a:schemeClr val="accent1">
+                  <a:lumMod val="80000"/>
+                  <a:lumOff val="20000"/>
+                </a:schemeClr>
+              </a:solidFill>
+              <a:ln w="19050">
+                <a:solidFill>
+                  <a:schemeClr val="lt1"/>
+                </a:solidFill>
+              </a:ln>
+              <a:effectLst/>
+            </c:spPr>
+            <c:extLst>
+              <c:ext xmlns:c16="http://schemas.microsoft.com/office/drawing/2014/chart" uri="{C3380CC4-5D6E-409C-BE32-E72D297353CC}">
+                <c16:uniqueId val="{00000019-C6CD-4A46-9165-F64F8C0DE366}"/>
+              </c:ext>
+            </c:extLst>
+          </c:dPt>
+          <c:dPt>
+            <c:idx val="13"/>
+            <c:bubble3D val="0"/>
+            <c:spPr>
+              <a:solidFill>
+                <a:schemeClr val="accent2">
+                  <a:lumMod val="80000"/>
+                  <a:lumOff val="20000"/>
+                </a:schemeClr>
+              </a:solidFill>
+              <a:ln w="19050">
+                <a:solidFill>
+                  <a:schemeClr val="lt1"/>
+                </a:solidFill>
+              </a:ln>
+              <a:effectLst/>
+            </c:spPr>
+            <c:extLst>
+              <c:ext xmlns:c16="http://schemas.microsoft.com/office/drawing/2014/chart" uri="{C3380CC4-5D6E-409C-BE32-E72D297353CC}">
+                <c16:uniqueId val="{0000001B-C6CD-4A46-9165-F64F8C0DE366}"/>
+              </c:ext>
+            </c:extLst>
+          </c:dPt>
+          <c:dPt>
+            <c:idx val="14"/>
+            <c:bubble3D val="0"/>
+            <c:spPr>
+              <a:solidFill>
+                <a:schemeClr val="accent3">
+                  <a:lumMod val="80000"/>
+                  <a:lumOff val="20000"/>
+                </a:schemeClr>
+              </a:solidFill>
+              <a:ln w="19050">
+                <a:solidFill>
+                  <a:schemeClr val="lt1"/>
+                </a:solidFill>
+              </a:ln>
+              <a:effectLst/>
+            </c:spPr>
+            <c:extLst>
+              <c:ext xmlns:c16="http://schemas.microsoft.com/office/drawing/2014/chart" uri="{C3380CC4-5D6E-409C-BE32-E72D297353CC}">
+                <c16:uniqueId val="{0000001D-C6CD-4A46-9165-F64F8C0DE366}"/>
+              </c:ext>
+            </c:extLst>
+          </c:dPt>
+          <c:dPt>
+            <c:idx val="15"/>
+            <c:bubble3D val="0"/>
+            <c:spPr>
+              <a:solidFill>
+                <a:schemeClr val="accent4">
+                  <a:lumMod val="80000"/>
+                  <a:lumOff val="20000"/>
+                </a:schemeClr>
+              </a:solidFill>
+              <a:ln w="19050">
+                <a:solidFill>
+                  <a:schemeClr val="lt1"/>
+                </a:solidFill>
+              </a:ln>
+              <a:effectLst/>
+            </c:spPr>
+            <c:extLst>
+              <c:ext xmlns:c16="http://schemas.microsoft.com/office/drawing/2014/chart" uri="{C3380CC4-5D6E-409C-BE32-E72D297353CC}">
+                <c16:uniqueId val="{0000001F-C6CD-4A46-9165-F64F8C0DE366}"/>
+              </c:ext>
+            </c:extLst>
+          </c:dPt>
+          <c:dPt>
+            <c:idx val="16"/>
+            <c:bubble3D val="0"/>
+            <c:spPr>
+              <a:solidFill>
+                <a:schemeClr val="accent5">
+                  <a:lumMod val="80000"/>
+                  <a:lumOff val="20000"/>
+                </a:schemeClr>
+              </a:solidFill>
+              <a:ln w="19050">
+                <a:solidFill>
+                  <a:schemeClr val="lt1"/>
+                </a:solidFill>
+              </a:ln>
+              <a:effectLst/>
+            </c:spPr>
+            <c:extLst>
+              <c:ext xmlns:c16="http://schemas.microsoft.com/office/drawing/2014/chart" uri="{C3380CC4-5D6E-409C-BE32-E72D297353CC}">
+                <c16:uniqueId val="{00000021-C6CD-4A46-9165-F64F8C0DE366}"/>
+              </c:ext>
+            </c:extLst>
+          </c:dPt>
+          <c:dPt>
+            <c:idx val="17"/>
+            <c:bubble3D val="0"/>
+            <c:spPr>
+              <a:solidFill>
+                <a:schemeClr val="accent6">
+                  <a:lumMod val="80000"/>
+                  <a:lumOff val="20000"/>
+                </a:schemeClr>
+              </a:solidFill>
+              <a:ln w="19050">
+                <a:solidFill>
+                  <a:schemeClr val="lt1"/>
+                </a:solidFill>
+              </a:ln>
+              <a:effectLst/>
+            </c:spPr>
+            <c:extLst>
+              <c:ext xmlns:c16="http://schemas.microsoft.com/office/drawing/2014/chart" uri="{C3380CC4-5D6E-409C-BE32-E72D297353CC}">
+                <c16:uniqueId val="{00000023-C6CD-4A46-9165-F64F8C0DE366}"/>
+              </c:ext>
+            </c:extLst>
+          </c:dPt>
+          <c:dPt>
+            <c:idx val="18"/>
+            <c:bubble3D val="0"/>
+            <c:spPr>
+              <a:solidFill>
+                <a:schemeClr val="accent1">
+                  <a:lumMod val="80000"/>
+                </a:schemeClr>
+              </a:solidFill>
+              <a:ln w="19050">
+                <a:solidFill>
+                  <a:schemeClr val="lt1"/>
+                </a:solidFill>
+              </a:ln>
+              <a:effectLst/>
+            </c:spPr>
+            <c:extLst>
+              <c:ext xmlns:c16="http://schemas.microsoft.com/office/drawing/2014/chart" uri="{C3380CC4-5D6E-409C-BE32-E72D297353CC}">
+                <c16:uniqueId val="{00000025-C6CD-4A46-9165-F64F8C0DE366}"/>
+              </c:ext>
+            </c:extLst>
+          </c:dPt>
+          <c:dPt>
+            <c:idx val="19"/>
+            <c:bubble3D val="0"/>
+            <c:spPr>
+              <a:solidFill>
+                <a:schemeClr val="accent2">
+                  <a:lumMod val="80000"/>
+                </a:schemeClr>
+              </a:solidFill>
+              <a:ln w="19050">
+                <a:solidFill>
+                  <a:schemeClr val="lt1"/>
+                </a:solidFill>
+              </a:ln>
+              <a:effectLst/>
+            </c:spPr>
+            <c:extLst>
+              <c:ext xmlns:c16="http://schemas.microsoft.com/office/drawing/2014/chart" uri="{C3380CC4-5D6E-409C-BE32-E72D297353CC}">
+                <c16:uniqueId val="{00000027-C6CD-4A46-9165-F64F8C0DE366}"/>
+              </c:ext>
+            </c:extLst>
+          </c:dPt>
+          <c:dPt>
+            <c:idx val="20"/>
+            <c:bubble3D val="0"/>
+            <c:spPr>
+              <a:solidFill>
+                <a:schemeClr val="accent3">
+                  <a:lumMod val="80000"/>
+                </a:schemeClr>
+              </a:solidFill>
+              <a:ln w="19050">
+                <a:solidFill>
+                  <a:schemeClr val="lt1"/>
+                </a:solidFill>
+              </a:ln>
+              <a:effectLst/>
+            </c:spPr>
+            <c:extLst>
+              <c:ext xmlns:c16="http://schemas.microsoft.com/office/drawing/2014/chart" uri="{C3380CC4-5D6E-409C-BE32-E72D297353CC}">
+                <c16:uniqueId val="{00000029-C6CD-4A46-9165-F64F8C0DE366}"/>
+              </c:ext>
+            </c:extLst>
+          </c:dPt>
+          <c:dPt>
+            <c:idx val="21"/>
+            <c:bubble3D val="0"/>
+            <c:spPr>
+              <a:solidFill>
+                <a:schemeClr val="accent4">
+                  <a:lumMod val="80000"/>
+                </a:schemeClr>
+              </a:solidFill>
+              <a:ln w="19050">
+                <a:solidFill>
+                  <a:schemeClr val="lt1"/>
+                </a:solidFill>
+              </a:ln>
+              <a:effectLst/>
+            </c:spPr>
+            <c:extLst>
+              <c:ext xmlns:c16="http://schemas.microsoft.com/office/drawing/2014/chart" uri="{C3380CC4-5D6E-409C-BE32-E72D297353CC}">
+                <c16:uniqueId val="{0000002B-C6CD-4A46-9165-F64F8C0DE366}"/>
+              </c:ext>
+            </c:extLst>
+          </c:dPt>
+          <c:dPt>
+            <c:idx val="22"/>
+            <c:bubble3D val="0"/>
+            <c:spPr>
+              <a:solidFill>
+                <a:schemeClr val="accent5">
+                  <a:lumMod val="80000"/>
+                </a:schemeClr>
+              </a:solidFill>
+              <a:ln w="19050">
+                <a:solidFill>
+                  <a:schemeClr val="lt1"/>
+                </a:solidFill>
+              </a:ln>
+              <a:effectLst/>
+            </c:spPr>
+            <c:extLst>
+              <c:ext xmlns:c16="http://schemas.microsoft.com/office/drawing/2014/chart" uri="{C3380CC4-5D6E-409C-BE32-E72D297353CC}">
+                <c16:uniqueId val="{0000002D-C6CD-4A46-9165-F64F8C0DE366}"/>
+              </c:ext>
+            </c:extLst>
+          </c:dPt>
+          <c:dPt>
+            <c:idx val="23"/>
+            <c:bubble3D val="0"/>
+            <c:spPr>
+              <a:solidFill>
+                <a:schemeClr val="accent6">
+                  <a:lumMod val="80000"/>
+                </a:schemeClr>
+              </a:solidFill>
+              <a:ln w="19050">
+                <a:solidFill>
+                  <a:schemeClr val="lt1"/>
+                </a:solidFill>
+              </a:ln>
+              <a:effectLst/>
+            </c:spPr>
+            <c:extLst>
+              <c:ext xmlns:c16="http://schemas.microsoft.com/office/drawing/2014/chart" uri="{C3380CC4-5D6E-409C-BE32-E72D297353CC}">
+                <c16:uniqueId val="{0000002F-C6CD-4A46-9165-F64F8C0DE366}"/>
+              </c:ext>
+            </c:extLst>
+          </c:dPt>
+          <c:dPt>
+            <c:idx val="24"/>
+            <c:bubble3D val="0"/>
+            <c:spPr>
+              <a:solidFill>
+                <a:schemeClr val="accent1">
+                  <a:lumMod val="60000"/>
+                  <a:lumOff val="40000"/>
+                </a:schemeClr>
+              </a:solidFill>
+              <a:ln w="19050">
+                <a:solidFill>
+                  <a:schemeClr val="lt1"/>
+                </a:solidFill>
+              </a:ln>
+              <a:effectLst/>
+            </c:spPr>
+            <c:extLst>
+              <c:ext xmlns:c16="http://schemas.microsoft.com/office/drawing/2014/chart" uri="{C3380CC4-5D6E-409C-BE32-E72D297353CC}">
+                <c16:uniqueId val="{00000031-C6CD-4A46-9165-F64F8C0DE366}"/>
+              </c:ext>
+            </c:extLst>
+          </c:dPt>
+          <c:dPt>
+            <c:idx val="25"/>
+            <c:bubble3D val="0"/>
+            <c:spPr>
+              <a:solidFill>
+                <a:schemeClr val="accent2">
+                  <a:lumMod val="60000"/>
+                  <a:lumOff val="40000"/>
+                </a:schemeClr>
+              </a:solidFill>
+              <a:ln w="19050">
+                <a:solidFill>
+                  <a:schemeClr val="lt1"/>
+                </a:solidFill>
+              </a:ln>
+              <a:effectLst/>
+            </c:spPr>
+            <c:extLst>
+              <c:ext xmlns:c16="http://schemas.microsoft.com/office/drawing/2014/chart" uri="{C3380CC4-5D6E-409C-BE32-E72D297353CC}">
+                <c16:uniqueId val="{00000033-C6CD-4A46-9165-F64F8C0DE366}"/>
+              </c:ext>
+            </c:extLst>
+          </c:dPt>
+          <c:dPt>
+            <c:idx val="26"/>
+            <c:bubble3D val="0"/>
+            <c:spPr>
+              <a:solidFill>
+                <a:schemeClr val="accent3">
+                  <a:lumMod val="60000"/>
+                  <a:lumOff val="40000"/>
+                </a:schemeClr>
+              </a:solidFill>
+              <a:ln w="19050">
+                <a:solidFill>
+                  <a:schemeClr val="lt1"/>
+                </a:solidFill>
+              </a:ln>
+              <a:effectLst/>
+            </c:spPr>
+            <c:extLst>
+              <c:ext xmlns:c16="http://schemas.microsoft.com/office/drawing/2014/chart" uri="{C3380CC4-5D6E-409C-BE32-E72D297353CC}">
+                <c16:uniqueId val="{00000035-C6CD-4A46-9165-F64F8C0DE366}"/>
+              </c:ext>
+            </c:extLst>
+          </c:dPt>
+          <c:dPt>
+            <c:idx val="27"/>
+            <c:bubble3D val="0"/>
+            <c:spPr>
+              <a:solidFill>
+                <a:schemeClr val="accent4">
+                  <a:lumMod val="60000"/>
+                  <a:lumOff val="40000"/>
+                </a:schemeClr>
+              </a:solidFill>
+              <a:ln w="19050">
+                <a:solidFill>
+                  <a:schemeClr val="lt1"/>
+                </a:solidFill>
+              </a:ln>
+              <a:effectLst/>
+            </c:spPr>
+            <c:extLst>
+              <c:ext xmlns:c16="http://schemas.microsoft.com/office/drawing/2014/chart" uri="{C3380CC4-5D6E-409C-BE32-E72D297353CC}">
+                <c16:uniqueId val="{00000037-C6CD-4A46-9165-F64F8C0DE366}"/>
+              </c:ext>
+            </c:extLst>
+          </c:dPt>
+          <c:dPt>
+            <c:idx val="28"/>
+            <c:bubble3D val="0"/>
+            <c:spPr>
+              <a:solidFill>
+                <a:schemeClr val="accent5">
+                  <a:lumMod val="60000"/>
+                  <a:lumOff val="40000"/>
+                </a:schemeClr>
+              </a:solidFill>
+              <a:ln w="19050">
+                <a:solidFill>
+                  <a:schemeClr val="lt1"/>
+                </a:solidFill>
+              </a:ln>
+              <a:effectLst/>
+            </c:spPr>
+            <c:extLst>
+              <c:ext xmlns:c16="http://schemas.microsoft.com/office/drawing/2014/chart" uri="{C3380CC4-5D6E-409C-BE32-E72D297353CC}">
+                <c16:uniqueId val="{00000039-C6CD-4A46-9165-F64F8C0DE366}"/>
+              </c:ext>
+            </c:extLst>
+          </c:dPt>
+          <c:dPt>
+            <c:idx val="29"/>
+            <c:bubble3D val="0"/>
+            <c:spPr>
+              <a:solidFill>
+                <a:schemeClr val="accent6">
+                  <a:lumMod val="60000"/>
+                  <a:lumOff val="40000"/>
+                </a:schemeClr>
+              </a:solidFill>
+              <a:ln w="19050">
+                <a:solidFill>
+                  <a:schemeClr val="lt1"/>
+                </a:solidFill>
+              </a:ln>
+              <a:effectLst/>
+            </c:spPr>
+            <c:extLst>
+              <c:ext xmlns:c16="http://schemas.microsoft.com/office/drawing/2014/chart" uri="{C3380CC4-5D6E-409C-BE32-E72D297353CC}">
+                <c16:uniqueId val="{0000003B-C6CD-4A46-9165-F64F8C0DE366}"/>
+              </c:ext>
+            </c:extLst>
+          </c:dPt>
+          <c:dPt>
+            <c:idx val="30"/>
+            <c:bubble3D val="0"/>
+            <c:spPr>
+              <a:solidFill>
+                <a:schemeClr val="accent1">
+                  <a:lumMod val="50000"/>
+                </a:schemeClr>
+              </a:solidFill>
+              <a:ln w="19050">
+                <a:solidFill>
+                  <a:schemeClr val="lt1"/>
+                </a:solidFill>
+              </a:ln>
+              <a:effectLst/>
+            </c:spPr>
+            <c:extLst>
+              <c:ext xmlns:c16="http://schemas.microsoft.com/office/drawing/2014/chart" uri="{C3380CC4-5D6E-409C-BE32-E72D297353CC}">
+                <c16:uniqueId val="{0000003D-C6CD-4A46-9165-F64F8C0DE366}"/>
+              </c:ext>
+            </c:extLst>
+          </c:dPt>
+          <c:dPt>
+            <c:idx val="31"/>
+            <c:bubble3D val="0"/>
+            <c:spPr>
+              <a:solidFill>
+                <a:schemeClr val="accent2">
+                  <a:lumMod val="50000"/>
+                </a:schemeClr>
+              </a:solidFill>
+              <a:ln w="19050">
+                <a:solidFill>
+                  <a:schemeClr val="lt1"/>
+                </a:solidFill>
+              </a:ln>
+              <a:effectLst/>
+            </c:spPr>
+            <c:extLst>
+              <c:ext xmlns:c16="http://schemas.microsoft.com/office/drawing/2014/chart" uri="{C3380CC4-5D6E-409C-BE32-E72D297353CC}">
+                <c16:uniqueId val="{0000003F-C6CD-4A46-9165-F64F8C0DE366}"/>
+              </c:ext>
+            </c:extLst>
+          </c:dPt>
+          <c:dPt>
+            <c:idx val="32"/>
+            <c:bubble3D val="0"/>
+            <c:spPr>
+              <a:solidFill>
+                <a:schemeClr val="accent3">
+                  <a:lumMod val="50000"/>
+                </a:schemeClr>
+              </a:solidFill>
+              <a:ln w="19050">
+                <a:solidFill>
+                  <a:schemeClr val="lt1"/>
+                </a:solidFill>
+              </a:ln>
+              <a:effectLst/>
+            </c:spPr>
+            <c:extLst>
+              <c:ext xmlns:c16="http://schemas.microsoft.com/office/drawing/2014/chart" uri="{C3380CC4-5D6E-409C-BE32-E72D297353CC}">
+                <c16:uniqueId val="{00000041-C6CD-4A46-9165-F64F8C0DE366}"/>
+              </c:ext>
+            </c:extLst>
+          </c:dPt>
+          <c:dPt>
+            <c:idx val="33"/>
+            <c:bubble3D val="0"/>
+            <c:spPr>
+              <a:solidFill>
+                <a:schemeClr val="accent4">
+                  <a:lumMod val="50000"/>
+                </a:schemeClr>
+              </a:solidFill>
+              <a:ln w="19050">
+                <a:solidFill>
+                  <a:schemeClr val="lt1"/>
+                </a:solidFill>
+              </a:ln>
+              <a:effectLst/>
+            </c:spPr>
+            <c:extLst>
+              <c:ext xmlns:c16="http://schemas.microsoft.com/office/drawing/2014/chart" uri="{C3380CC4-5D6E-409C-BE32-E72D297353CC}">
+                <c16:uniqueId val="{00000043-C6CD-4A46-9165-F64F8C0DE366}"/>
+              </c:ext>
+            </c:extLst>
+          </c:dPt>
+          <c:dPt>
+            <c:idx val="34"/>
+            <c:bubble3D val="0"/>
+            <c:spPr>
+              <a:solidFill>
+                <a:schemeClr val="accent5">
+                  <a:lumMod val="50000"/>
+                </a:schemeClr>
+              </a:solidFill>
+              <a:ln w="19050">
+                <a:solidFill>
+                  <a:schemeClr val="lt1"/>
+                </a:solidFill>
+              </a:ln>
+              <a:effectLst/>
+            </c:spPr>
+            <c:extLst>
+              <c:ext xmlns:c16="http://schemas.microsoft.com/office/drawing/2014/chart" uri="{C3380CC4-5D6E-409C-BE32-E72D297353CC}">
+                <c16:uniqueId val="{00000045-C6CD-4A46-9165-F64F8C0DE366}"/>
+              </c:ext>
+            </c:extLst>
+          </c:dPt>
+          <c:dPt>
+            <c:idx val="35"/>
+            <c:bubble3D val="0"/>
+            <c:spPr>
+              <a:solidFill>
+                <a:schemeClr val="accent6">
+                  <a:lumMod val="50000"/>
+                </a:schemeClr>
+              </a:solidFill>
+              <a:ln w="19050">
+                <a:solidFill>
+                  <a:schemeClr val="lt1"/>
+                </a:solidFill>
+              </a:ln>
+              <a:effectLst/>
+            </c:spPr>
+            <c:extLst>
+              <c:ext xmlns:c16="http://schemas.microsoft.com/office/drawing/2014/chart" uri="{C3380CC4-5D6E-409C-BE32-E72D297353CC}">
+                <c16:uniqueId val="{00000047-C6CD-4A46-9165-F64F8C0DE366}"/>
+              </c:ext>
+            </c:extLst>
+          </c:dPt>
+          <c:dPt>
+            <c:idx val="36"/>
+            <c:bubble3D val="0"/>
+            <c:spPr>
+              <a:solidFill>
+                <a:schemeClr val="accent1">
+                  <a:lumMod val="70000"/>
+                  <a:lumOff val="30000"/>
+                </a:schemeClr>
+              </a:solidFill>
+              <a:ln w="19050">
+                <a:solidFill>
+                  <a:schemeClr val="lt1"/>
+                </a:solidFill>
+              </a:ln>
+              <a:effectLst/>
+            </c:spPr>
+            <c:extLst>
+              <c:ext xmlns:c16="http://schemas.microsoft.com/office/drawing/2014/chart" uri="{C3380CC4-5D6E-409C-BE32-E72D297353CC}">
+                <c16:uniqueId val="{00000049-C6CD-4A46-9165-F64F8C0DE366}"/>
+              </c:ext>
+            </c:extLst>
+          </c:dPt>
+          <c:dPt>
+            <c:idx val="37"/>
+            <c:bubble3D val="0"/>
+            <c:spPr>
+              <a:solidFill>
+                <a:schemeClr val="accent2">
+                  <a:lumMod val="70000"/>
+                  <a:lumOff val="30000"/>
+                </a:schemeClr>
+              </a:solidFill>
+              <a:ln w="19050">
+                <a:solidFill>
+                  <a:schemeClr val="lt1"/>
+                </a:solidFill>
+              </a:ln>
+              <a:effectLst/>
+            </c:spPr>
+            <c:extLst>
+              <c:ext xmlns:c16="http://schemas.microsoft.com/office/drawing/2014/chart" uri="{C3380CC4-5D6E-409C-BE32-E72D297353CC}">
+                <c16:uniqueId val="{0000004B-C6CD-4A46-9165-F64F8C0DE366}"/>
+              </c:ext>
+            </c:extLst>
+          </c:dPt>
+          <c:dPt>
+            <c:idx val="38"/>
+            <c:bubble3D val="0"/>
+            <c:spPr>
+              <a:solidFill>
+                <a:schemeClr val="accent3">
+                  <a:lumMod val="70000"/>
+                  <a:lumOff val="30000"/>
+                </a:schemeClr>
+              </a:solidFill>
+              <a:ln w="19050">
+                <a:solidFill>
+                  <a:schemeClr val="lt1"/>
+                </a:solidFill>
+              </a:ln>
+              <a:effectLst/>
+            </c:spPr>
+            <c:extLst>
+              <c:ext xmlns:c16="http://schemas.microsoft.com/office/drawing/2014/chart" uri="{C3380CC4-5D6E-409C-BE32-E72D297353CC}">
+                <c16:uniqueId val="{0000004D-C6CD-4A46-9165-F64F8C0DE366}"/>
+              </c:ext>
+            </c:extLst>
+          </c:dPt>
+          <c:dPt>
+            <c:idx val="39"/>
+            <c:bubble3D val="0"/>
+            <c:spPr>
+              <a:solidFill>
+                <a:schemeClr val="accent4">
+                  <a:lumMod val="70000"/>
+                  <a:lumOff val="30000"/>
+                </a:schemeClr>
+              </a:solidFill>
+              <a:ln w="19050">
+                <a:solidFill>
+                  <a:schemeClr val="lt1"/>
+                </a:solidFill>
+              </a:ln>
+              <a:effectLst/>
+            </c:spPr>
+            <c:extLst>
+              <c:ext xmlns:c16="http://schemas.microsoft.com/office/drawing/2014/chart" uri="{C3380CC4-5D6E-409C-BE32-E72D297353CC}">
+                <c16:uniqueId val="{0000004F-C6CD-4A46-9165-F64F8C0DE366}"/>
+              </c:ext>
+            </c:extLst>
+          </c:dPt>
+          <c:dPt>
+            <c:idx val="40"/>
+            <c:bubble3D val="0"/>
+            <c:spPr>
+              <a:solidFill>
+                <a:schemeClr val="accent5">
+                  <a:lumMod val="70000"/>
+                  <a:lumOff val="30000"/>
+                </a:schemeClr>
+              </a:solidFill>
+              <a:ln w="19050">
+                <a:solidFill>
+                  <a:schemeClr val="lt1"/>
+                </a:solidFill>
+              </a:ln>
+              <a:effectLst/>
+            </c:spPr>
+            <c:extLst>
+              <c:ext xmlns:c16="http://schemas.microsoft.com/office/drawing/2014/chart" uri="{C3380CC4-5D6E-409C-BE32-E72D297353CC}">
+                <c16:uniqueId val="{00000051-C6CD-4A46-9165-F64F8C0DE366}"/>
+              </c:ext>
+            </c:extLst>
+          </c:dPt>
+          <c:dPt>
+            <c:idx val="41"/>
+            <c:bubble3D val="0"/>
+            <c:spPr>
+              <a:solidFill>
+                <a:schemeClr val="accent6">
+                  <a:lumMod val="70000"/>
+                  <a:lumOff val="30000"/>
+                </a:schemeClr>
+              </a:solidFill>
+              <a:ln w="19050">
+                <a:solidFill>
+                  <a:schemeClr val="lt1"/>
+                </a:solidFill>
+              </a:ln>
+              <a:effectLst/>
+            </c:spPr>
+            <c:extLst>
+              <c:ext xmlns:c16="http://schemas.microsoft.com/office/drawing/2014/chart" uri="{C3380CC4-5D6E-409C-BE32-E72D297353CC}">
+                <c16:uniqueId val="{00000053-C6CD-4A46-9165-F64F8C0DE366}"/>
+              </c:ext>
+            </c:extLst>
+          </c:dPt>
+          <c:dPt>
+            <c:idx val="42"/>
+            <c:bubble3D val="0"/>
+            <c:spPr>
+              <a:solidFill>
+                <a:schemeClr val="accent1">
+                  <a:lumMod val="70000"/>
+                </a:schemeClr>
+              </a:solidFill>
+              <a:ln w="19050">
+                <a:solidFill>
+                  <a:schemeClr val="lt1"/>
+                </a:solidFill>
+              </a:ln>
+              <a:effectLst/>
+            </c:spPr>
+            <c:extLst>
+              <c:ext xmlns:c16="http://schemas.microsoft.com/office/drawing/2014/chart" uri="{C3380CC4-5D6E-409C-BE32-E72D297353CC}">
+                <c16:uniqueId val="{00000055-C6CD-4A46-9165-F64F8C0DE366}"/>
+              </c:ext>
+            </c:extLst>
+          </c:dPt>
+          <c:dPt>
+            <c:idx val="43"/>
+            <c:bubble3D val="0"/>
+            <c:spPr>
+              <a:solidFill>
+                <a:schemeClr val="accent2">
+                  <a:lumMod val="70000"/>
+                </a:schemeClr>
+              </a:solidFill>
+              <a:ln w="19050">
+                <a:solidFill>
+                  <a:schemeClr val="lt1"/>
+                </a:solidFill>
+              </a:ln>
+              <a:effectLst/>
+            </c:spPr>
+            <c:extLst>
+              <c:ext xmlns:c16="http://schemas.microsoft.com/office/drawing/2014/chart" uri="{C3380CC4-5D6E-409C-BE32-E72D297353CC}">
+                <c16:uniqueId val="{00000057-C6CD-4A46-9165-F64F8C0DE366}"/>
+              </c:ext>
+            </c:extLst>
+          </c:dPt>
+          <c:dPt>
+            <c:idx val="44"/>
+            <c:bubble3D val="0"/>
+            <c:spPr>
+              <a:solidFill>
+                <a:schemeClr val="accent3">
+                  <a:lumMod val="70000"/>
+                </a:schemeClr>
+              </a:solidFill>
+              <a:ln w="19050">
+                <a:solidFill>
+                  <a:schemeClr val="lt1"/>
+                </a:solidFill>
+              </a:ln>
+              <a:effectLst/>
+            </c:spPr>
+            <c:extLst>
+              <c:ext xmlns:c16="http://schemas.microsoft.com/office/drawing/2014/chart" uri="{C3380CC4-5D6E-409C-BE32-E72D297353CC}">
+                <c16:uniqueId val="{00000059-C6CD-4A46-9165-F64F8C0DE366}"/>
+              </c:ext>
+            </c:extLst>
+          </c:dPt>
+          <c:dPt>
+            <c:idx val="45"/>
+            <c:bubble3D val="0"/>
+            <c:spPr>
+              <a:solidFill>
+                <a:schemeClr val="accent4">
+                  <a:lumMod val="70000"/>
+                </a:schemeClr>
+              </a:solidFill>
+              <a:ln w="19050">
+                <a:solidFill>
+                  <a:schemeClr val="lt1"/>
+                </a:solidFill>
+              </a:ln>
+              <a:effectLst/>
+            </c:spPr>
+            <c:extLst>
+              <c:ext xmlns:c16="http://schemas.microsoft.com/office/drawing/2014/chart" uri="{C3380CC4-5D6E-409C-BE32-E72D297353CC}">
+                <c16:uniqueId val="{0000005B-C6CD-4A46-9165-F64F8C0DE366}"/>
+              </c:ext>
+            </c:extLst>
+          </c:dPt>
+          <c:dPt>
+            <c:idx val="46"/>
+            <c:bubble3D val="0"/>
+            <c:spPr>
+              <a:solidFill>
+                <a:schemeClr val="accent5">
+                  <a:lumMod val="70000"/>
+                </a:schemeClr>
+              </a:solidFill>
+              <a:ln w="19050">
+                <a:solidFill>
+                  <a:schemeClr val="lt1"/>
+                </a:solidFill>
+              </a:ln>
+              <a:effectLst/>
+            </c:spPr>
+            <c:extLst>
+              <c:ext xmlns:c16="http://schemas.microsoft.com/office/drawing/2014/chart" uri="{C3380CC4-5D6E-409C-BE32-E72D297353CC}">
+                <c16:uniqueId val="{0000005D-C6CD-4A46-9165-F64F8C0DE366}"/>
+              </c:ext>
+            </c:extLst>
+          </c:dPt>
+          <c:dPt>
+            <c:idx val="47"/>
+            <c:bubble3D val="0"/>
+            <c:spPr>
+              <a:solidFill>
+                <a:schemeClr val="accent6">
+                  <a:lumMod val="70000"/>
+                </a:schemeClr>
+              </a:solidFill>
+              <a:ln w="19050">
+                <a:solidFill>
+                  <a:schemeClr val="lt1"/>
+                </a:solidFill>
+              </a:ln>
+              <a:effectLst/>
+            </c:spPr>
+            <c:extLst>
+              <c:ext xmlns:c16="http://schemas.microsoft.com/office/drawing/2014/chart" uri="{C3380CC4-5D6E-409C-BE32-E72D297353CC}">
+                <c16:uniqueId val="{0000005F-C6CD-4A46-9165-F64F8C0DE366}"/>
+              </c:ext>
+            </c:extLst>
+          </c:dPt>
+          <c:dPt>
+            <c:idx val="48"/>
+            <c:bubble3D val="0"/>
+            <c:spPr>
+              <a:solidFill>
+                <a:schemeClr val="accent1">
+                  <a:lumMod val="50000"/>
+                  <a:lumOff val="50000"/>
+                </a:schemeClr>
+              </a:solidFill>
+              <a:ln w="19050">
+                <a:solidFill>
+                  <a:schemeClr val="lt1"/>
+                </a:solidFill>
+              </a:ln>
+              <a:effectLst/>
+            </c:spPr>
+            <c:extLst>
+              <c:ext xmlns:c16="http://schemas.microsoft.com/office/drawing/2014/chart" uri="{C3380CC4-5D6E-409C-BE32-E72D297353CC}">
+                <c16:uniqueId val="{00000061-C6CD-4A46-9165-F64F8C0DE366}"/>
+              </c:ext>
+            </c:extLst>
+          </c:dPt>
+          <c:dPt>
+            <c:idx val="49"/>
+            <c:bubble3D val="0"/>
+            <c:spPr>
+              <a:solidFill>
+                <a:schemeClr val="accent2">
+                  <a:lumMod val="50000"/>
+                  <a:lumOff val="50000"/>
+                </a:schemeClr>
+              </a:solidFill>
+              <a:ln w="19050">
+                <a:solidFill>
+                  <a:schemeClr val="lt1"/>
+                </a:solidFill>
+              </a:ln>
+              <a:effectLst/>
+            </c:spPr>
+            <c:extLst>
+              <c:ext xmlns:c16="http://schemas.microsoft.com/office/drawing/2014/chart" uri="{C3380CC4-5D6E-409C-BE32-E72D297353CC}">
+                <c16:uniqueId val="{00000063-C6CD-4A46-9165-F64F8C0DE366}"/>
+              </c:ext>
+            </c:extLst>
+          </c:dPt>
+          <c:dPt>
+            <c:idx val="50"/>
+            <c:bubble3D val="0"/>
+            <c:spPr>
+              <a:solidFill>
+                <a:schemeClr val="accent3">
+                  <a:lumMod val="50000"/>
+                  <a:lumOff val="50000"/>
+                </a:schemeClr>
+              </a:solidFill>
+              <a:ln w="19050">
+                <a:solidFill>
+                  <a:schemeClr val="lt1"/>
+                </a:solidFill>
+              </a:ln>
+              <a:effectLst/>
+            </c:spPr>
+            <c:extLst>
+              <c:ext xmlns:c16="http://schemas.microsoft.com/office/drawing/2014/chart" uri="{C3380CC4-5D6E-409C-BE32-E72D297353CC}">
+                <c16:uniqueId val="{00000065-C6CD-4A46-9165-F64F8C0DE366}"/>
+              </c:ext>
+            </c:extLst>
+          </c:dPt>
+          <c:dPt>
+            <c:idx val="51"/>
+            <c:bubble3D val="0"/>
+            <c:spPr>
+              <a:solidFill>
+                <a:schemeClr val="accent4">
+                  <a:lumMod val="50000"/>
+                  <a:lumOff val="50000"/>
+                </a:schemeClr>
+              </a:solidFill>
+              <a:ln w="19050">
+                <a:solidFill>
+                  <a:schemeClr val="lt1"/>
+                </a:solidFill>
+              </a:ln>
+              <a:effectLst/>
+            </c:spPr>
+            <c:extLst>
+              <c:ext xmlns:c16="http://schemas.microsoft.com/office/drawing/2014/chart" uri="{C3380CC4-5D6E-409C-BE32-E72D297353CC}">
+                <c16:uniqueId val="{00000067-C6CD-4A46-9165-F64F8C0DE366}"/>
+              </c:ext>
+            </c:extLst>
+          </c:dPt>
+          <c:dPt>
+            <c:idx val="52"/>
+            <c:bubble3D val="0"/>
+            <c:spPr>
+              <a:solidFill>
+                <a:schemeClr val="accent5">
+                  <a:lumMod val="50000"/>
+                  <a:lumOff val="50000"/>
+                </a:schemeClr>
+              </a:solidFill>
+              <a:ln w="19050">
+                <a:solidFill>
+                  <a:schemeClr val="lt1"/>
+                </a:solidFill>
+              </a:ln>
+              <a:effectLst/>
+            </c:spPr>
+            <c:extLst>
+              <c:ext xmlns:c16="http://schemas.microsoft.com/office/drawing/2014/chart" uri="{C3380CC4-5D6E-409C-BE32-E72D297353CC}">
+                <c16:uniqueId val="{00000069-C6CD-4A46-9165-F64F8C0DE366}"/>
+              </c:ext>
+            </c:extLst>
+          </c:dPt>
+          <c:dPt>
+            <c:idx val="53"/>
+            <c:bubble3D val="0"/>
+            <c:spPr>
+              <a:solidFill>
+                <a:schemeClr val="accent6">
+                  <a:lumMod val="50000"/>
+                  <a:lumOff val="50000"/>
+                </a:schemeClr>
+              </a:solidFill>
+              <a:ln w="19050">
+                <a:solidFill>
+                  <a:schemeClr val="lt1"/>
+                </a:solidFill>
+              </a:ln>
+              <a:effectLst/>
+            </c:spPr>
+            <c:extLst>
+              <c:ext xmlns:c16="http://schemas.microsoft.com/office/drawing/2014/chart" uri="{C3380CC4-5D6E-409C-BE32-E72D297353CC}">
+                <c16:uniqueId val="{0000006B-C6CD-4A46-9165-F64F8C0DE366}"/>
+              </c:ext>
+            </c:extLst>
+          </c:dPt>
+          <c:dPt>
+            <c:idx val="54"/>
+            <c:bubble3D val="0"/>
+            <c:spPr>
+              <a:solidFill>
+                <a:schemeClr val="accent1"/>
+              </a:solidFill>
+              <a:ln w="19050">
+                <a:solidFill>
+                  <a:schemeClr val="lt1"/>
+                </a:solidFill>
+              </a:ln>
+              <a:effectLst/>
+            </c:spPr>
+            <c:extLst>
+              <c:ext xmlns:c16="http://schemas.microsoft.com/office/drawing/2014/chart" uri="{C3380CC4-5D6E-409C-BE32-E72D297353CC}">
+                <c16:uniqueId val="{0000006D-C6CD-4A46-9165-F64F8C0DE366}"/>
+              </c:ext>
+            </c:extLst>
+          </c:dPt>
+          <c:dPt>
+            <c:idx val="55"/>
+            <c:bubble3D val="0"/>
+            <c:spPr>
+              <a:solidFill>
+                <a:schemeClr val="accent2"/>
+              </a:solidFill>
+              <a:ln w="19050">
+                <a:solidFill>
+                  <a:schemeClr val="lt1"/>
+                </a:solidFill>
+              </a:ln>
+              <a:effectLst/>
+            </c:spPr>
+            <c:extLst>
+              <c:ext xmlns:c16="http://schemas.microsoft.com/office/drawing/2014/chart" uri="{C3380CC4-5D6E-409C-BE32-E72D297353CC}">
+                <c16:uniqueId val="{0000006F-C6CD-4A46-9165-F64F8C0DE366}"/>
+              </c:ext>
+            </c:extLst>
+          </c:dPt>
+          <c:dPt>
+            <c:idx val="56"/>
+            <c:bubble3D val="0"/>
+            <c:spPr>
+              <a:solidFill>
+                <a:schemeClr val="accent3"/>
+              </a:solidFill>
+              <a:ln w="19050">
+                <a:solidFill>
+                  <a:schemeClr val="lt1"/>
+                </a:solidFill>
+              </a:ln>
+              <a:effectLst/>
+            </c:spPr>
+            <c:extLst>
+              <c:ext xmlns:c16="http://schemas.microsoft.com/office/drawing/2014/chart" uri="{C3380CC4-5D6E-409C-BE32-E72D297353CC}">
+                <c16:uniqueId val="{00000071-C6CD-4A46-9165-F64F8C0DE366}"/>
+              </c:ext>
+            </c:extLst>
+          </c:dPt>
+          <c:dPt>
+            <c:idx val="57"/>
+            <c:bubble3D val="0"/>
+            <c:spPr>
+              <a:solidFill>
+                <a:schemeClr val="accent4"/>
+              </a:solidFill>
+              <a:ln w="19050">
+                <a:solidFill>
+                  <a:schemeClr val="lt1"/>
+                </a:solidFill>
+              </a:ln>
+              <a:effectLst/>
+            </c:spPr>
+            <c:extLst>
+              <c:ext xmlns:c16="http://schemas.microsoft.com/office/drawing/2014/chart" uri="{C3380CC4-5D6E-409C-BE32-E72D297353CC}">
+                <c16:uniqueId val="{00000073-C6CD-4A46-9165-F64F8C0DE366}"/>
+              </c:ext>
+            </c:extLst>
+          </c:dPt>
+          <c:dPt>
+            <c:idx val="58"/>
+            <c:bubble3D val="0"/>
+            <c:spPr>
+              <a:solidFill>
+                <a:schemeClr val="accent5"/>
+              </a:solidFill>
+              <a:ln w="19050">
+                <a:solidFill>
+                  <a:schemeClr val="lt1"/>
+                </a:solidFill>
+              </a:ln>
+              <a:effectLst/>
+            </c:spPr>
+            <c:extLst>
+              <c:ext xmlns:c16="http://schemas.microsoft.com/office/drawing/2014/chart" uri="{C3380CC4-5D6E-409C-BE32-E72D297353CC}">
+                <c16:uniqueId val="{00000075-C6CD-4A46-9165-F64F8C0DE366}"/>
+              </c:ext>
+            </c:extLst>
+          </c:dPt>
+          <c:dPt>
+            <c:idx val="59"/>
+            <c:bubble3D val="0"/>
+            <c:spPr>
+              <a:solidFill>
+                <a:schemeClr val="accent6"/>
+              </a:solidFill>
+              <a:ln w="19050">
+                <a:solidFill>
+                  <a:schemeClr val="lt1"/>
+                </a:solidFill>
+              </a:ln>
+              <a:effectLst/>
+            </c:spPr>
+            <c:extLst>
+              <c:ext xmlns:c16="http://schemas.microsoft.com/office/drawing/2014/chart" uri="{C3380CC4-5D6E-409C-BE32-E72D297353CC}">
+                <c16:uniqueId val="{00000077-C6CD-4A46-9165-F64F8C0DE366}"/>
+              </c:ext>
+            </c:extLst>
+          </c:dPt>
+          <c:dPt>
+            <c:idx val="60"/>
+            <c:bubble3D val="0"/>
+            <c:spPr>
+              <a:solidFill>
+                <a:schemeClr val="accent1">
+                  <a:lumMod val="60000"/>
+                </a:schemeClr>
+              </a:solidFill>
+              <a:ln w="19050">
+                <a:solidFill>
+                  <a:schemeClr val="lt1"/>
+                </a:solidFill>
+              </a:ln>
+              <a:effectLst/>
+            </c:spPr>
+            <c:extLst>
+              <c:ext xmlns:c16="http://schemas.microsoft.com/office/drawing/2014/chart" uri="{C3380CC4-5D6E-409C-BE32-E72D297353CC}">
+                <c16:uniqueId val="{00000079-C6CD-4A46-9165-F64F8C0DE366}"/>
+              </c:ext>
+            </c:extLst>
+          </c:dPt>
+          <c:dPt>
+            <c:idx val="61"/>
+            <c:bubble3D val="0"/>
+            <c:spPr>
+              <a:solidFill>
+                <a:schemeClr val="accent2">
+                  <a:lumMod val="60000"/>
+                </a:schemeClr>
+              </a:solidFill>
+              <a:ln w="19050">
+                <a:solidFill>
+                  <a:schemeClr val="lt1"/>
+                </a:solidFill>
+              </a:ln>
+              <a:effectLst/>
+            </c:spPr>
+            <c:extLst>
+              <c:ext xmlns:c16="http://schemas.microsoft.com/office/drawing/2014/chart" uri="{C3380CC4-5D6E-409C-BE32-E72D297353CC}">
+                <c16:uniqueId val="{0000007B-C6CD-4A46-9165-F64F8C0DE366}"/>
+              </c:ext>
+            </c:extLst>
+          </c:dPt>
+          <c:dPt>
+            <c:idx val="62"/>
+            <c:bubble3D val="0"/>
+            <c:spPr>
+              <a:solidFill>
+                <a:schemeClr val="accent3">
+                  <a:lumMod val="60000"/>
+                </a:schemeClr>
+              </a:solidFill>
+              <a:ln w="19050">
+                <a:solidFill>
+                  <a:schemeClr val="lt1"/>
+                </a:solidFill>
+              </a:ln>
+              <a:effectLst/>
+            </c:spPr>
+            <c:extLst>
+              <c:ext xmlns:c16="http://schemas.microsoft.com/office/drawing/2014/chart" uri="{C3380CC4-5D6E-409C-BE32-E72D297353CC}">
+                <c16:uniqueId val="{0000007D-C6CD-4A46-9165-F64F8C0DE366}"/>
+              </c:ext>
+            </c:extLst>
+          </c:dPt>
+          <c:dPt>
+            <c:idx val="63"/>
+            <c:bubble3D val="0"/>
+            <c:spPr>
+              <a:solidFill>
+                <a:schemeClr val="accent4">
+                  <a:lumMod val="60000"/>
+                </a:schemeClr>
+              </a:solidFill>
+              <a:ln w="19050">
+                <a:solidFill>
+                  <a:schemeClr val="lt1"/>
+                </a:solidFill>
+              </a:ln>
+              <a:effectLst/>
+            </c:spPr>
+            <c:extLst>
+              <c:ext xmlns:c16="http://schemas.microsoft.com/office/drawing/2014/chart" uri="{C3380CC4-5D6E-409C-BE32-E72D297353CC}">
+                <c16:uniqueId val="{0000007F-C6CD-4A46-9165-F64F8C0DE366}"/>
+              </c:ext>
+            </c:extLst>
+          </c:dPt>
+          <c:dPt>
+            <c:idx val="64"/>
+            <c:bubble3D val="0"/>
+            <c:spPr>
+              <a:solidFill>
+                <a:schemeClr val="accent5">
+                  <a:lumMod val="60000"/>
+                </a:schemeClr>
+              </a:solidFill>
+              <a:ln w="19050">
+                <a:solidFill>
+                  <a:schemeClr val="lt1"/>
+                </a:solidFill>
+              </a:ln>
+              <a:effectLst/>
+            </c:spPr>
+            <c:extLst>
+              <c:ext xmlns:c16="http://schemas.microsoft.com/office/drawing/2014/chart" uri="{C3380CC4-5D6E-409C-BE32-E72D297353CC}">
+                <c16:uniqueId val="{00000081-C6CD-4A46-9165-F64F8C0DE366}"/>
+              </c:ext>
+            </c:extLst>
+          </c:dPt>
+          <c:dPt>
+            <c:idx val="65"/>
+            <c:bubble3D val="0"/>
+            <c:spPr>
+              <a:solidFill>
+                <a:schemeClr val="accent6">
+                  <a:lumMod val="60000"/>
+                </a:schemeClr>
+              </a:solidFill>
+              <a:ln w="19050">
+                <a:solidFill>
+                  <a:schemeClr val="lt1"/>
+                </a:solidFill>
+              </a:ln>
+              <a:effectLst/>
+            </c:spPr>
+            <c:extLst>
+              <c:ext xmlns:c16="http://schemas.microsoft.com/office/drawing/2014/chart" uri="{C3380CC4-5D6E-409C-BE32-E72D297353CC}">
+                <c16:uniqueId val="{00000083-C6CD-4A46-9165-F64F8C0DE366}"/>
+              </c:ext>
+            </c:extLst>
+          </c:dPt>
+          <c:dPt>
+            <c:idx val="66"/>
+            <c:bubble3D val="0"/>
+            <c:spPr>
+              <a:solidFill>
+                <a:schemeClr val="accent1">
+                  <a:lumMod val="80000"/>
+                  <a:lumOff val="20000"/>
+                </a:schemeClr>
+              </a:solidFill>
+              <a:ln w="19050">
+                <a:solidFill>
+                  <a:schemeClr val="lt1"/>
+                </a:solidFill>
+              </a:ln>
+              <a:effectLst/>
+            </c:spPr>
+            <c:extLst>
+              <c:ext xmlns:c16="http://schemas.microsoft.com/office/drawing/2014/chart" uri="{C3380CC4-5D6E-409C-BE32-E72D297353CC}">
+                <c16:uniqueId val="{00000085-C6CD-4A46-9165-F64F8C0DE366}"/>
+              </c:ext>
+            </c:extLst>
+          </c:dPt>
+          <c:dPt>
+            <c:idx val="67"/>
+            <c:bubble3D val="0"/>
+            <c:spPr>
+              <a:solidFill>
+                <a:schemeClr val="accent2">
+                  <a:lumMod val="80000"/>
+                  <a:lumOff val="20000"/>
+                </a:schemeClr>
+              </a:solidFill>
+              <a:ln w="19050">
+                <a:solidFill>
+                  <a:schemeClr val="lt1"/>
+                </a:solidFill>
+              </a:ln>
+              <a:effectLst/>
+            </c:spPr>
+            <c:extLst>
+              <c:ext xmlns:c16="http://schemas.microsoft.com/office/drawing/2014/chart" uri="{C3380CC4-5D6E-409C-BE32-E72D297353CC}">
+                <c16:uniqueId val="{00000087-C6CD-4A46-9165-F64F8C0DE366}"/>
+              </c:ext>
+            </c:extLst>
+          </c:dPt>
+          <c:dPt>
+            <c:idx val="68"/>
+            <c:bubble3D val="0"/>
+            <c:spPr>
+              <a:solidFill>
+                <a:schemeClr val="accent3">
+                  <a:lumMod val="80000"/>
+                  <a:lumOff val="20000"/>
+                </a:schemeClr>
+              </a:solidFill>
+              <a:ln w="19050">
+                <a:solidFill>
+                  <a:schemeClr val="lt1"/>
+                </a:solidFill>
+              </a:ln>
+              <a:effectLst/>
+            </c:spPr>
+            <c:extLst>
+              <c:ext xmlns:c16="http://schemas.microsoft.com/office/drawing/2014/chart" uri="{C3380CC4-5D6E-409C-BE32-E72D297353CC}">
+                <c16:uniqueId val="{00000089-C6CD-4A46-9165-F64F8C0DE366}"/>
+              </c:ext>
+            </c:extLst>
+          </c:dPt>
+          <c:dPt>
+            <c:idx val="69"/>
+            <c:bubble3D val="0"/>
+            <c:spPr>
+              <a:solidFill>
+                <a:schemeClr val="accent4">
+                  <a:lumMod val="80000"/>
+                  <a:lumOff val="20000"/>
+                </a:schemeClr>
+              </a:solidFill>
+              <a:ln w="19050">
+                <a:solidFill>
+                  <a:schemeClr val="lt1"/>
+                </a:solidFill>
+              </a:ln>
+              <a:effectLst/>
+            </c:spPr>
+            <c:extLst>
+              <c:ext xmlns:c16="http://schemas.microsoft.com/office/drawing/2014/chart" uri="{C3380CC4-5D6E-409C-BE32-E72D297353CC}">
+                <c16:uniqueId val="{0000008B-C6CD-4A46-9165-F64F8C0DE366}"/>
+              </c:ext>
+            </c:extLst>
+          </c:dPt>
+          <c:dPt>
+            <c:idx val="70"/>
+            <c:bubble3D val="0"/>
+            <c:spPr>
+              <a:solidFill>
+                <a:schemeClr val="accent5">
+                  <a:lumMod val="80000"/>
+                  <a:lumOff val="20000"/>
+                </a:schemeClr>
+              </a:solidFill>
+              <a:ln w="19050">
+                <a:solidFill>
+                  <a:schemeClr val="lt1"/>
+                </a:solidFill>
+              </a:ln>
+              <a:effectLst/>
+            </c:spPr>
+            <c:extLst>
+              <c:ext xmlns:c16="http://schemas.microsoft.com/office/drawing/2014/chart" uri="{C3380CC4-5D6E-409C-BE32-E72D297353CC}">
+                <c16:uniqueId val="{0000008D-C6CD-4A46-9165-F64F8C0DE366}"/>
+              </c:ext>
+            </c:extLst>
+          </c:dPt>
+          <c:dPt>
+            <c:idx val="71"/>
+            <c:bubble3D val="0"/>
+            <c:spPr>
+              <a:solidFill>
+                <a:schemeClr val="accent6">
+                  <a:lumMod val="80000"/>
+                  <a:lumOff val="20000"/>
+                </a:schemeClr>
+              </a:solidFill>
+              <a:ln w="19050">
+                <a:solidFill>
+                  <a:schemeClr val="lt1"/>
+                </a:solidFill>
+              </a:ln>
+              <a:effectLst/>
+            </c:spPr>
+            <c:extLst>
+              <c:ext xmlns:c16="http://schemas.microsoft.com/office/drawing/2014/chart" uri="{C3380CC4-5D6E-409C-BE32-E72D297353CC}">
+                <c16:uniqueId val="{0000008F-C6CD-4A46-9165-F64F8C0DE366}"/>
+              </c:ext>
+            </c:extLst>
+          </c:dPt>
+          <c:dPt>
+            <c:idx val="72"/>
+            <c:bubble3D val="0"/>
+            <c:spPr>
+              <a:solidFill>
+                <a:schemeClr val="accent1">
+                  <a:lumMod val="80000"/>
+                </a:schemeClr>
+              </a:solidFill>
+              <a:ln w="19050">
+                <a:solidFill>
+                  <a:schemeClr val="lt1"/>
+                </a:solidFill>
+              </a:ln>
+              <a:effectLst/>
+            </c:spPr>
+            <c:extLst>
+              <c:ext xmlns:c16="http://schemas.microsoft.com/office/drawing/2014/chart" uri="{C3380CC4-5D6E-409C-BE32-E72D297353CC}">
+                <c16:uniqueId val="{00000091-C6CD-4A46-9165-F64F8C0DE366}"/>
+              </c:ext>
+            </c:extLst>
+          </c:dPt>
+          <c:dPt>
+            <c:idx val="73"/>
+            <c:bubble3D val="0"/>
+            <c:spPr>
+              <a:solidFill>
+                <a:schemeClr val="accent2">
+                  <a:lumMod val="80000"/>
+                </a:schemeClr>
+              </a:solidFill>
+              <a:ln w="19050">
+                <a:solidFill>
+                  <a:schemeClr val="lt1"/>
+                </a:solidFill>
+              </a:ln>
+              <a:effectLst/>
+            </c:spPr>
+            <c:extLst>
+              <c:ext xmlns:c16="http://schemas.microsoft.com/office/drawing/2014/chart" uri="{C3380CC4-5D6E-409C-BE32-E72D297353CC}">
+                <c16:uniqueId val="{00000093-C6CD-4A46-9165-F64F8C0DE366}"/>
+              </c:ext>
+            </c:extLst>
+          </c:dPt>
+          <c:dPt>
+            <c:idx val="74"/>
+            <c:bubble3D val="0"/>
+            <c:spPr>
+              <a:solidFill>
+                <a:schemeClr val="accent3">
+                  <a:lumMod val="80000"/>
+                </a:schemeClr>
+              </a:solidFill>
+              <a:ln w="19050">
+                <a:solidFill>
+                  <a:schemeClr val="lt1"/>
+                </a:solidFill>
+              </a:ln>
+              <a:effectLst/>
+            </c:spPr>
+            <c:extLst>
+              <c:ext xmlns:c16="http://schemas.microsoft.com/office/drawing/2014/chart" uri="{C3380CC4-5D6E-409C-BE32-E72D297353CC}">
+                <c16:uniqueId val="{00000095-C6CD-4A46-9165-F64F8C0DE366}"/>
+              </c:ext>
+            </c:extLst>
+          </c:dPt>
+          <c:dPt>
+            <c:idx val="75"/>
+            <c:bubble3D val="0"/>
+            <c:spPr>
+              <a:solidFill>
+                <a:schemeClr val="accent4">
+                  <a:lumMod val="80000"/>
+                </a:schemeClr>
+              </a:solidFill>
+              <a:ln w="19050">
+                <a:solidFill>
+                  <a:schemeClr val="lt1"/>
+                </a:solidFill>
+              </a:ln>
+              <a:effectLst/>
+            </c:spPr>
+            <c:extLst>
+              <c:ext xmlns:c16="http://schemas.microsoft.com/office/drawing/2014/chart" uri="{C3380CC4-5D6E-409C-BE32-E72D297353CC}">
+                <c16:uniqueId val="{00000097-C6CD-4A46-9165-F64F8C0DE366}"/>
+              </c:ext>
+            </c:extLst>
+          </c:dPt>
+          <c:dPt>
+            <c:idx val="76"/>
+            <c:bubble3D val="0"/>
+            <c:spPr>
+              <a:solidFill>
+                <a:schemeClr val="accent5">
+                  <a:lumMod val="80000"/>
+                </a:schemeClr>
+              </a:solidFill>
+              <a:ln w="19050">
+                <a:solidFill>
+                  <a:schemeClr val="lt1"/>
+                </a:solidFill>
+              </a:ln>
+              <a:effectLst/>
+            </c:spPr>
+            <c:extLst>
+              <c:ext xmlns:c16="http://schemas.microsoft.com/office/drawing/2014/chart" uri="{C3380CC4-5D6E-409C-BE32-E72D297353CC}">
+                <c16:uniqueId val="{00000099-C6CD-4A46-9165-F64F8C0DE366}"/>
+              </c:ext>
+            </c:extLst>
+          </c:dPt>
+          <c:dPt>
+            <c:idx val="77"/>
+            <c:bubble3D val="0"/>
+            <c:spPr>
+              <a:solidFill>
+                <a:schemeClr val="accent6">
+                  <a:lumMod val="80000"/>
+                </a:schemeClr>
+              </a:solidFill>
+              <a:ln w="19050">
+                <a:solidFill>
+                  <a:schemeClr val="lt1"/>
+                </a:solidFill>
+              </a:ln>
+              <a:effectLst/>
+            </c:spPr>
+            <c:extLst>
+              <c:ext xmlns:c16="http://schemas.microsoft.com/office/drawing/2014/chart" uri="{C3380CC4-5D6E-409C-BE32-E72D297353CC}">
+                <c16:uniqueId val="{0000009B-C6CD-4A46-9165-F64F8C0DE366}"/>
+              </c:ext>
+            </c:extLst>
+          </c:dPt>
+          <c:dPt>
+            <c:idx val="78"/>
+            <c:bubble3D val="0"/>
+            <c:spPr>
+              <a:solidFill>
+                <a:schemeClr val="accent1">
+                  <a:lumMod val="60000"/>
+                  <a:lumOff val="40000"/>
+                </a:schemeClr>
+              </a:solidFill>
+              <a:ln w="19050">
+                <a:solidFill>
+                  <a:schemeClr val="lt1"/>
+                </a:solidFill>
+              </a:ln>
+              <a:effectLst/>
+            </c:spPr>
+            <c:extLst>
+              <c:ext xmlns:c16="http://schemas.microsoft.com/office/drawing/2014/chart" uri="{C3380CC4-5D6E-409C-BE32-E72D297353CC}">
+                <c16:uniqueId val="{0000009D-C6CD-4A46-9165-F64F8C0DE366}"/>
+              </c:ext>
+            </c:extLst>
+          </c:dPt>
+          <c:dPt>
+            <c:idx val="79"/>
+            <c:bubble3D val="0"/>
+            <c:spPr>
+              <a:solidFill>
+                <a:schemeClr val="accent2">
+                  <a:lumMod val="60000"/>
+                  <a:lumOff val="40000"/>
+                </a:schemeClr>
+              </a:solidFill>
+              <a:ln w="19050">
+                <a:solidFill>
+                  <a:schemeClr val="lt1"/>
+                </a:solidFill>
+              </a:ln>
+              <a:effectLst/>
+            </c:spPr>
+            <c:extLst>
+              <c:ext xmlns:c16="http://schemas.microsoft.com/office/drawing/2014/chart" uri="{C3380CC4-5D6E-409C-BE32-E72D297353CC}">
+                <c16:uniqueId val="{0000009F-C6CD-4A46-9165-F64F8C0DE366}"/>
+              </c:ext>
+            </c:extLst>
+          </c:dPt>
+          <c:dPt>
+            <c:idx val="80"/>
+            <c:bubble3D val="0"/>
+            <c:spPr>
+              <a:solidFill>
+                <a:schemeClr val="accent3">
+                  <a:lumMod val="60000"/>
+                  <a:lumOff val="40000"/>
+                </a:schemeClr>
+              </a:solidFill>
+              <a:ln w="19050">
+                <a:solidFill>
+                  <a:schemeClr val="lt1"/>
+                </a:solidFill>
+              </a:ln>
+              <a:effectLst/>
+            </c:spPr>
+            <c:extLst>
+              <c:ext xmlns:c16="http://schemas.microsoft.com/office/drawing/2014/chart" uri="{C3380CC4-5D6E-409C-BE32-E72D297353CC}">
+                <c16:uniqueId val="{000000A1-C6CD-4A46-9165-F64F8C0DE366}"/>
+              </c:ext>
+            </c:extLst>
+          </c:dPt>
+          <c:dPt>
+            <c:idx val="81"/>
+            <c:bubble3D val="0"/>
+            <c:spPr>
+              <a:solidFill>
+                <a:schemeClr val="accent4">
+                  <a:lumMod val="60000"/>
+                  <a:lumOff val="40000"/>
+                </a:schemeClr>
+              </a:solidFill>
+              <a:ln w="19050">
+                <a:solidFill>
+                  <a:schemeClr val="lt1"/>
+                </a:solidFill>
+              </a:ln>
+              <a:effectLst/>
+            </c:spPr>
+            <c:extLst>
+              <c:ext xmlns:c16="http://schemas.microsoft.com/office/drawing/2014/chart" uri="{C3380CC4-5D6E-409C-BE32-E72D297353CC}">
+                <c16:uniqueId val="{000000A3-C6CD-4A46-9165-F64F8C0DE366}"/>
+              </c:ext>
+            </c:extLst>
+          </c:dPt>
+          <c:dPt>
+            <c:idx val="82"/>
+            <c:bubble3D val="0"/>
+            <c:spPr>
+              <a:solidFill>
+                <a:schemeClr val="accent5">
+                  <a:lumMod val="60000"/>
+                  <a:lumOff val="40000"/>
+                </a:schemeClr>
+              </a:solidFill>
+              <a:ln w="19050">
+                <a:solidFill>
+                  <a:schemeClr val="lt1"/>
+                </a:solidFill>
+              </a:ln>
+              <a:effectLst/>
+            </c:spPr>
+            <c:extLst>
+              <c:ext xmlns:c16="http://schemas.microsoft.com/office/drawing/2014/chart" uri="{C3380CC4-5D6E-409C-BE32-E72D297353CC}">
+                <c16:uniqueId val="{000000A5-C6CD-4A46-9165-F64F8C0DE366}"/>
+              </c:ext>
+            </c:extLst>
+          </c:dPt>
+          <c:dPt>
+            <c:idx val="83"/>
+            <c:bubble3D val="0"/>
+            <c:spPr>
+              <a:solidFill>
+                <a:schemeClr val="accent6">
+                  <a:lumMod val="60000"/>
+                  <a:lumOff val="40000"/>
+                </a:schemeClr>
+              </a:solidFill>
+              <a:ln w="19050">
+                <a:solidFill>
+                  <a:schemeClr val="lt1"/>
+                </a:solidFill>
+              </a:ln>
+              <a:effectLst/>
+            </c:spPr>
+            <c:extLst>
+              <c:ext xmlns:c16="http://schemas.microsoft.com/office/drawing/2014/chart" uri="{C3380CC4-5D6E-409C-BE32-E72D297353CC}">
+                <c16:uniqueId val="{000000A7-C6CD-4A46-9165-F64F8C0DE366}"/>
+              </c:ext>
+            </c:extLst>
+          </c:dPt>
+          <c:dPt>
+            <c:idx val="84"/>
+            <c:bubble3D val="0"/>
+            <c:spPr>
+              <a:solidFill>
+                <a:schemeClr val="accent1">
+                  <a:lumMod val="50000"/>
+                </a:schemeClr>
+              </a:solidFill>
+              <a:ln w="19050">
+                <a:solidFill>
+                  <a:schemeClr val="lt1"/>
+                </a:solidFill>
+              </a:ln>
+              <a:effectLst/>
+            </c:spPr>
+            <c:extLst>
+              <c:ext xmlns:c16="http://schemas.microsoft.com/office/drawing/2014/chart" uri="{C3380CC4-5D6E-409C-BE32-E72D297353CC}">
+                <c16:uniqueId val="{000000A9-C6CD-4A46-9165-F64F8C0DE366}"/>
+              </c:ext>
+            </c:extLst>
+          </c:dPt>
+          <c:dPt>
+            <c:idx val="85"/>
+            <c:bubble3D val="0"/>
+            <c:spPr>
+              <a:solidFill>
+                <a:schemeClr val="accent2">
+                  <a:lumMod val="50000"/>
+                </a:schemeClr>
+              </a:solidFill>
+              <a:ln w="19050">
+                <a:solidFill>
+                  <a:schemeClr val="lt1"/>
+                </a:solidFill>
+              </a:ln>
+              <a:effectLst/>
+            </c:spPr>
+            <c:extLst>
+              <c:ext xmlns:c16="http://schemas.microsoft.com/office/drawing/2014/chart" uri="{C3380CC4-5D6E-409C-BE32-E72D297353CC}">
+                <c16:uniqueId val="{000000AB-C6CD-4A46-9165-F64F8C0DE366}"/>
+              </c:ext>
+            </c:extLst>
+          </c:dPt>
+          <c:dPt>
+            <c:idx val="86"/>
+            <c:bubble3D val="0"/>
+            <c:spPr>
+              <a:solidFill>
+                <a:schemeClr val="accent3">
+                  <a:lumMod val="50000"/>
+                </a:schemeClr>
+              </a:solidFill>
+              <a:ln w="19050">
+                <a:solidFill>
+                  <a:schemeClr val="lt1"/>
+                </a:solidFill>
+              </a:ln>
+              <a:effectLst/>
+            </c:spPr>
+            <c:extLst>
+              <c:ext xmlns:c16="http://schemas.microsoft.com/office/drawing/2014/chart" uri="{C3380CC4-5D6E-409C-BE32-E72D297353CC}">
+                <c16:uniqueId val="{000000AD-C6CD-4A46-9165-F64F8C0DE366}"/>
+              </c:ext>
+            </c:extLst>
+          </c:dPt>
+          <c:dPt>
+            <c:idx val="87"/>
+            <c:bubble3D val="0"/>
+            <c:spPr>
+              <a:solidFill>
+                <a:schemeClr val="accent4">
+                  <a:lumMod val="50000"/>
+                </a:schemeClr>
+              </a:solidFill>
+              <a:ln w="19050">
+                <a:solidFill>
+                  <a:schemeClr val="lt1"/>
+                </a:solidFill>
+              </a:ln>
+              <a:effectLst/>
+            </c:spPr>
+            <c:extLst>
+              <c:ext xmlns:c16="http://schemas.microsoft.com/office/drawing/2014/chart" uri="{C3380CC4-5D6E-409C-BE32-E72D297353CC}">
+                <c16:uniqueId val="{000000AF-C6CD-4A46-9165-F64F8C0DE366}"/>
+              </c:ext>
+            </c:extLst>
+          </c:dPt>
+          <c:dPt>
+            <c:idx val="88"/>
+            <c:bubble3D val="0"/>
+            <c:spPr>
+              <a:solidFill>
+                <a:schemeClr val="accent5">
+                  <a:lumMod val="50000"/>
+                </a:schemeClr>
+              </a:solidFill>
+              <a:ln w="19050">
+                <a:solidFill>
+                  <a:schemeClr val="lt1"/>
+                </a:solidFill>
+              </a:ln>
+              <a:effectLst/>
+            </c:spPr>
+            <c:extLst>
+              <c:ext xmlns:c16="http://schemas.microsoft.com/office/drawing/2014/chart" uri="{C3380CC4-5D6E-409C-BE32-E72D297353CC}">
+                <c16:uniqueId val="{000000B1-C6CD-4A46-9165-F64F8C0DE366}"/>
+              </c:ext>
+            </c:extLst>
+          </c:dPt>
+          <c:dPt>
+            <c:idx val="89"/>
+            <c:bubble3D val="0"/>
+            <c:spPr>
+              <a:solidFill>
+                <a:schemeClr val="accent6">
+                  <a:lumMod val="50000"/>
+                </a:schemeClr>
+              </a:solidFill>
+              <a:ln w="19050">
+                <a:solidFill>
+                  <a:schemeClr val="lt1"/>
+                </a:solidFill>
+              </a:ln>
+              <a:effectLst/>
+            </c:spPr>
+            <c:extLst>
+              <c:ext xmlns:c16="http://schemas.microsoft.com/office/drawing/2014/chart" uri="{C3380CC4-5D6E-409C-BE32-E72D297353CC}">
+                <c16:uniqueId val="{000000B3-C6CD-4A46-9165-F64F8C0DE366}"/>
+              </c:ext>
+            </c:extLst>
+          </c:dPt>
+          <c:dPt>
+            <c:idx val="90"/>
+            <c:bubble3D val="0"/>
+            <c:spPr>
+              <a:solidFill>
+                <a:schemeClr val="accent1">
+                  <a:lumMod val="70000"/>
+                  <a:lumOff val="30000"/>
+                </a:schemeClr>
+              </a:solidFill>
+              <a:ln w="19050">
+                <a:solidFill>
+                  <a:schemeClr val="lt1"/>
+                </a:solidFill>
+              </a:ln>
+              <a:effectLst/>
+            </c:spPr>
+            <c:extLst>
+              <c:ext xmlns:c16="http://schemas.microsoft.com/office/drawing/2014/chart" uri="{C3380CC4-5D6E-409C-BE32-E72D297353CC}">
+                <c16:uniqueId val="{000000B5-C6CD-4A46-9165-F64F8C0DE366}"/>
+              </c:ext>
+            </c:extLst>
+          </c:dPt>
+          <c:dPt>
+            <c:idx val="91"/>
+            <c:bubble3D val="0"/>
+            <c:spPr>
+              <a:solidFill>
+                <a:schemeClr val="accent2">
+                  <a:lumMod val="70000"/>
+                  <a:lumOff val="30000"/>
+                </a:schemeClr>
+              </a:solidFill>
+              <a:ln w="19050">
+                <a:solidFill>
+                  <a:schemeClr val="lt1"/>
+                </a:solidFill>
+              </a:ln>
+              <a:effectLst/>
+            </c:spPr>
+            <c:extLst>
+              <c:ext xmlns:c16="http://schemas.microsoft.com/office/drawing/2014/chart" uri="{C3380CC4-5D6E-409C-BE32-E72D297353CC}">
+                <c16:uniqueId val="{000000B7-C6CD-4A46-9165-F64F8C0DE366}"/>
+              </c:ext>
+            </c:extLst>
+          </c:dPt>
+          <c:dPt>
+            <c:idx val="92"/>
+            <c:bubble3D val="0"/>
+            <c:spPr>
+              <a:solidFill>
+                <a:schemeClr val="accent3">
+                  <a:lumMod val="70000"/>
+                  <a:lumOff val="30000"/>
+                </a:schemeClr>
+              </a:solidFill>
+              <a:ln w="19050">
+                <a:solidFill>
+                  <a:schemeClr val="lt1"/>
+                </a:solidFill>
+              </a:ln>
+              <a:effectLst/>
+            </c:spPr>
+            <c:extLst>
+              <c:ext xmlns:c16="http://schemas.microsoft.com/office/drawing/2014/chart" uri="{C3380CC4-5D6E-409C-BE32-E72D297353CC}">
+                <c16:uniqueId val="{000000B9-C6CD-4A46-9165-F64F8C0DE366}"/>
+              </c:ext>
+            </c:extLst>
+          </c:dPt>
+          <c:dPt>
+            <c:idx val="93"/>
+            <c:bubble3D val="0"/>
+            <c:spPr>
+              <a:solidFill>
+                <a:schemeClr val="accent4">
+                  <a:lumMod val="70000"/>
+                  <a:lumOff val="30000"/>
+                </a:schemeClr>
+              </a:solidFill>
+              <a:ln w="19050">
+                <a:solidFill>
+                  <a:schemeClr val="lt1"/>
+                </a:solidFill>
+              </a:ln>
+              <a:effectLst/>
+            </c:spPr>
+            <c:extLst>
+              <c:ext xmlns:c16="http://schemas.microsoft.com/office/drawing/2014/chart" uri="{C3380CC4-5D6E-409C-BE32-E72D297353CC}">
+                <c16:uniqueId val="{000000BB-C6CD-4A46-9165-F64F8C0DE366}"/>
+              </c:ext>
+            </c:extLst>
+          </c:dPt>
+          <c:dPt>
+            <c:idx val="94"/>
+            <c:bubble3D val="0"/>
+            <c:spPr>
+              <a:solidFill>
+                <a:schemeClr val="accent5">
+                  <a:lumMod val="70000"/>
+                  <a:lumOff val="30000"/>
+                </a:schemeClr>
+              </a:solidFill>
+              <a:ln w="19050">
+                <a:solidFill>
+                  <a:schemeClr val="lt1"/>
+                </a:solidFill>
+              </a:ln>
+              <a:effectLst/>
+            </c:spPr>
+            <c:extLst>
+              <c:ext xmlns:c16="http://schemas.microsoft.com/office/drawing/2014/chart" uri="{C3380CC4-5D6E-409C-BE32-E72D297353CC}">
+                <c16:uniqueId val="{000000BD-C6CD-4A46-9165-F64F8C0DE366}"/>
+              </c:ext>
+            </c:extLst>
+          </c:dPt>
+          <c:dPt>
+            <c:idx val="95"/>
+            <c:bubble3D val="0"/>
+            <c:spPr>
+              <a:solidFill>
+                <a:schemeClr val="accent6">
+                  <a:lumMod val="70000"/>
+                  <a:lumOff val="30000"/>
+                </a:schemeClr>
+              </a:solidFill>
+              <a:ln w="19050">
+                <a:solidFill>
+                  <a:schemeClr val="lt1"/>
+                </a:solidFill>
+              </a:ln>
+              <a:effectLst/>
+            </c:spPr>
+            <c:extLst>
+              <c:ext xmlns:c16="http://schemas.microsoft.com/office/drawing/2014/chart" uri="{C3380CC4-5D6E-409C-BE32-E72D297353CC}">
+                <c16:uniqueId val="{000000BF-C6CD-4A46-9165-F64F8C0DE366}"/>
+              </c:ext>
+            </c:extLst>
+          </c:dPt>
+          <c:dPt>
+            <c:idx val="96"/>
+            <c:bubble3D val="0"/>
+            <c:spPr>
+              <a:solidFill>
+                <a:schemeClr val="accent1">
+                  <a:lumMod val="70000"/>
+                </a:schemeClr>
+              </a:solidFill>
+              <a:ln w="19050">
+                <a:solidFill>
+                  <a:schemeClr val="lt1"/>
+                </a:solidFill>
+              </a:ln>
+              <a:effectLst/>
+            </c:spPr>
+            <c:extLst>
+              <c:ext xmlns:c16="http://schemas.microsoft.com/office/drawing/2014/chart" uri="{C3380CC4-5D6E-409C-BE32-E72D297353CC}">
+                <c16:uniqueId val="{000000C1-C6CD-4A46-9165-F64F8C0DE366}"/>
+              </c:ext>
+            </c:extLst>
+          </c:dPt>
+          <c:dPt>
+            <c:idx val="97"/>
+            <c:bubble3D val="0"/>
+            <c:spPr>
+              <a:solidFill>
+                <a:schemeClr val="accent2">
+                  <a:lumMod val="70000"/>
+                </a:schemeClr>
+              </a:solidFill>
+              <a:ln w="19050">
+                <a:solidFill>
+                  <a:schemeClr val="lt1"/>
+                </a:solidFill>
+              </a:ln>
+              <a:effectLst/>
+            </c:spPr>
+            <c:extLst>
+              <c:ext xmlns:c16="http://schemas.microsoft.com/office/drawing/2014/chart" uri="{C3380CC4-5D6E-409C-BE32-E72D297353CC}">
+                <c16:uniqueId val="{000000C3-C6CD-4A46-9165-F64F8C0DE366}"/>
+              </c:ext>
+            </c:extLst>
+          </c:dPt>
+          <c:dPt>
+            <c:idx val="98"/>
+            <c:bubble3D val="0"/>
+            <c:spPr>
+              <a:solidFill>
+                <a:schemeClr val="accent3">
+                  <a:lumMod val="70000"/>
+                </a:schemeClr>
+              </a:solidFill>
+              <a:ln w="19050">
+                <a:solidFill>
+                  <a:schemeClr val="lt1"/>
+                </a:solidFill>
+              </a:ln>
+              <a:effectLst/>
+            </c:spPr>
+            <c:extLst>
+              <c:ext xmlns:c16="http://schemas.microsoft.com/office/drawing/2014/chart" uri="{C3380CC4-5D6E-409C-BE32-E72D297353CC}">
+                <c16:uniqueId val="{000000C5-C6CD-4A46-9165-F64F8C0DE366}"/>
+              </c:ext>
+            </c:extLst>
+          </c:dPt>
+          <c:dPt>
+            <c:idx val="99"/>
+            <c:bubble3D val="0"/>
+            <c:spPr>
+              <a:solidFill>
+                <a:schemeClr val="accent4">
+                  <a:lumMod val="70000"/>
+                </a:schemeClr>
+              </a:solidFill>
+              <a:ln w="19050">
+                <a:solidFill>
+                  <a:schemeClr val="lt1"/>
+                </a:solidFill>
+              </a:ln>
+              <a:effectLst/>
+            </c:spPr>
+            <c:extLst>
+              <c:ext xmlns:c16="http://schemas.microsoft.com/office/drawing/2014/chart" uri="{C3380CC4-5D6E-409C-BE32-E72D297353CC}">
+                <c16:uniqueId val="{000000C7-C6CD-4A46-9165-F64F8C0DE366}"/>
+              </c:ext>
+            </c:extLst>
+          </c:dPt>
+          <c:dPt>
+            <c:idx val="100"/>
+            <c:bubble3D val="0"/>
+            <c:spPr>
+              <a:solidFill>
+                <a:schemeClr val="accent5">
+                  <a:lumMod val="70000"/>
+                </a:schemeClr>
+              </a:solidFill>
+              <a:ln w="19050">
+                <a:solidFill>
+                  <a:schemeClr val="lt1"/>
+                </a:solidFill>
+              </a:ln>
+              <a:effectLst/>
+            </c:spPr>
+            <c:extLst>
+              <c:ext xmlns:c16="http://schemas.microsoft.com/office/drawing/2014/chart" uri="{C3380CC4-5D6E-409C-BE32-E72D297353CC}">
+                <c16:uniqueId val="{000000C9-C6CD-4A46-9165-F64F8C0DE366}"/>
+              </c:ext>
+            </c:extLst>
+          </c:dPt>
+          <c:dPt>
+            <c:idx val="101"/>
+            <c:bubble3D val="0"/>
+            <c:spPr>
+              <a:solidFill>
+                <a:schemeClr val="accent6">
+                  <a:lumMod val="70000"/>
+                </a:schemeClr>
+              </a:solidFill>
+              <a:ln w="19050">
+                <a:solidFill>
+                  <a:schemeClr val="lt1"/>
+                </a:solidFill>
+              </a:ln>
+              <a:effectLst/>
+            </c:spPr>
+            <c:extLst>
+              <c:ext xmlns:c16="http://schemas.microsoft.com/office/drawing/2014/chart" uri="{C3380CC4-5D6E-409C-BE32-E72D297353CC}">
+                <c16:uniqueId val="{000000CB-C6CD-4A46-9165-F64F8C0DE366}"/>
+              </c:ext>
+            </c:extLst>
+          </c:dPt>
+          <c:dPt>
+            <c:idx val="102"/>
+            <c:bubble3D val="0"/>
+            <c:spPr>
+              <a:solidFill>
+                <a:schemeClr val="accent1">
+                  <a:lumMod val="50000"/>
+                  <a:lumOff val="50000"/>
+                </a:schemeClr>
+              </a:solidFill>
+              <a:ln w="19050">
+                <a:solidFill>
+                  <a:schemeClr val="lt1"/>
+                </a:solidFill>
+              </a:ln>
+              <a:effectLst/>
+            </c:spPr>
+            <c:extLst>
+              <c:ext xmlns:c16="http://schemas.microsoft.com/office/drawing/2014/chart" uri="{C3380CC4-5D6E-409C-BE32-E72D297353CC}">
+                <c16:uniqueId val="{000000CD-C6CD-4A46-9165-F64F8C0DE366}"/>
+              </c:ext>
+            </c:extLst>
+          </c:dPt>
+          <c:dPt>
+            <c:idx val="103"/>
+            <c:bubble3D val="0"/>
+            <c:spPr>
+              <a:solidFill>
+                <a:schemeClr val="accent2">
+                  <a:lumMod val="50000"/>
+                  <a:lumOff val="50000"/>
+                </a:schemeClr>
+              </a:solidFill>
+              <a:ln w="19050">
+                <a:solidFill>
+                  <a:schemeClr val="lt1"/>
+                </a:solidFill>
+              </a:ln>
+              <a:effectLst/>
+            </c:spPr>
+            <c:extLst>
+              <c:ext xmlns:c16="http://schemas.microsoft.com/office/drawing/2014/chart" uri="{C3380CC4-5D6E-409C-BE32-E72D297353CC}">
+                <c16:uniqueId val="{000000CF-C6CD-4A46-9165-F64F8C0DE366}"/>
+              </c:ext>
+            </c:extLst>
+          </c:dPt>
+          <c:dPt>
+            <c:idx val="104"/>
+            <c:bubble3D val="0"/>
+            <c:spPr>
+              <a:solidFill>
+                <a:schemeClr val="accent3">
+                  <a:lumMod val="50000"/>
+                  <a:lumOff val="50000"/>
+                </a:schemeClr>
+              </a:solidFill>
+              <a:ln w="19050">
+                <a:solidFill>
+                  <a:schemeClr val="lt1"/>
+                </a:solidFill>
+              </a:ln>
+              <a:effectLst/>
+            </c:spPr>
+            <c:extLst>
+              <c:ext xmlns:c16="http://schemas.microsoft.com/office/drawing/2014/chart" uri="{C3380CC4-5D6E-409C-BE32-E72D297353CC}">
+                <c16:uniqueId val="{000000D1-C6CD-4A46-9165-F64F8C0DE366}"/>
+              </c:ext>
+            </c:extLst>
+          </c:dPt>
+          <c:dPt>
+            <c:idx val="105"/>
+            <c:bubble3D val="0"/>
+            <c:spPr>
+              <a:solidFill>
+                <a:schemeClr val="accent4">
+                  <a:lumMod val="50000"/>
+                  <a:lumOff val="50000"/>
+                </a:schemeClr>
+              </a:solidFill>
+              <a:ln w="19050">
+                <a:solidFill>
+                  <a:schemeClr val="lt1"/>
+                </a:solidFill>
+              </a:ln>
+              <a:effectLst/>
+            </c:spPr>
+            <c:extLst>
+              <c:ext xmlns:c16="http://schemas.microsoft.com/office/drawing/2014/chart" uri="{C3380CC4-5D6E-409C-BE32-E72D297353CC}">
+                <c16:uniqueId val="{000000D3-C6CD-4A46-9165-F64F8C0DE366}"/>
+              </c:ext>
+            </c:extLst>
+          </c:dPt>
+          <c:dPt>
+            <c:idx val="106"/>
+            <c:bubble3D val="0"/>
+            <c:spPr>
+              <a:solidFill>
+                <a:schemeClr val="accent5">
+                  <a:lumMod val="50000"/>
+                  <a:lumOff val="50000"/>
+                </a:schemeClr>
+              </a:solidFill>
+              <a:ln w="19050">
+                <a:solidFill>
+                  <a:schemeClr val="lt1"/>
+                </a:solidFill>
+              </a:ln>
+              <a:effectLst/>
+            </c:spPr>
+            <c:extLst>
+              <c:ext xmlns:c16="http://schemas.microsoft.com/office/drawing/2014/chart" uri="{C3380CC4-5D6E-409C-BE32-E72D297353CC}">
+                <c16:uniqueId val="{000000D5-C6CD-4A46-9165-F64F8C0DE366}"/>
+              </c:ext>
+            </c:extLst>
+          </c:dPt>
+          <c:dPt>
+            <c:idx val="107"/>
+            <c:bubble3D val="0"/>
+            <c:spPr>
+              <a:solidFill>
+                <a:schemeClr val="accent6">
+                  <a:lumMod val="50000"/>
+                  <a:lumOff val="50000"/>
+                </a:schemeClr>
+              </a:solidFill>
+              <a:ln w="19050">
+                <a:solidFill>
+                  <a:schemeClr val="lt1"/>
+                </a:solidFill>
+              </a:ln>
+              <a:effectLst/>
+            </c:spPr>
+            <c:extLst>
+              <c:ext xmlns:c16="http://schemas.microsoft.com/office/drawing/2014/chart" uri="{C3380CC4-5D6E-409C-BE32-E72D297353CC}">
+                <c16:uniqueId val="{000000D7-C6CD-4A46-9165-F64F8C0DE366}"/>
+              </c:ext>
+            </c:extLst>
+          </c:dPt>
+          <c:dPt>
+            <c:idx val="108"/>
+            <c:bubble3D val="0"/>
+            <c:spPr>
+              <a:solidFill>
+                <a:schemeClr val="accent1"/>
+              </a:solidFill>
+              <a:ln w="19050">
+                <a:solidFill>
+                  <a:schemeClr val="lt1"/>
+                </a:solidFill>
+              </a:ln>
+              <a:effectLst/>
+            </c:spPr>
+            <c:extLst>
+              <c:ext xmlns:c16="http://schemas.microsoft.com/office/drawing/2014/chart" uri="{C3380CC4-5D6E-409C-BE32-E72D297353CC}">
+                <c16:uniqueId val="{000000D9-C6CD-4A46-9165-F64F8C0DE366}"/>
+              </c:ext>
+            </c:extLst>
+          </c:dPt>
+          <c:dPt>
+            <c:idx val="109"/>
+            <c:bubble3D val="0"/>
+            <c:spPr>
+              <a:solidFill>
+                <a:schemeClr val="accent2"/>
+              </a:solidFill>
+              <a:ln w="19050">
+                <a:solidFill>
+                  <a:schemeClr val="lt1"/>
+                </a:solidFill>
+              </a:ln>
+              <a:effectLst/>
+            </c:spPr>
+            <c:extLst>
+              <c:ext xmlns:c16="http://schemas.microsoft.com/office/drawing/2014/chart" uri="{C3380CC4-5D6E-409C-BE32-E72D297353CC}">
+                <c16:uniqueId val="{000000DB-C6CD-4A46-9165-F64F8C0DE366}"/>
+              </c:ext>
+            </c:extLst>
+          </c:dPt>
+          <c:dPt>
+            <c:idx val="110"/>
+            <c:bubble3D val="0"/>
+            <c:spPr>
+              <a:solidFill>
+                <a:schemeClr val="accent3"/>
+              </a:solidFill>
+              <a:ln w="19050">
+                <a:solidFill>
+                  <a:schemeClr val="lt1"/>
+                </a:solidFill>
+              </a:ln>
+              <a:effectLst/>
+            </c:spPr>
+            <c:extLst>
+              <c:ext xmlns:c16="http://schemas.microsoft.com/office/drawing/2014/chart" uri="{C3380CC4-5D6E-409C-BE32-E72D297353CC}">
+                <c16:uniqueId val="{000000DD-C6CD-4A46-9165-F64F8C0DE366}"/>
+              </c:ext>
+            </c:extLst>
+          </c:dPt>
+          <c:dPt>
+            <c:idx val="111"/>
+            <c:bubble3D val="0"/>
+            <c:spPr>
+              <a:solidFill>
+                <a:schemeClr val="accent4"/>
+              </a:solidFill>
+              <a:ln w="19050">
+                <a:solidFill>
+                  <a:schemeClr val="lt1"/>
+                </a:solidFill>
+              </a:ln>
+              <a:effectLst/>
+            </c:spPr>
+            <c:extLst>
+              <c:ext xmlns:c16="http://schemas.microsoft.com/office/drawing/2014/chart" uri="{C3380CC4-5D6E-409C-BE32-E72D297353CC}">
+                <c16:uniqueId val="{000000DF-C6CD-4A46-9165-F64F8C0DE366}"/>
+              </c:ext>
+            </c:extLst>
+          </c:dPt>
+          <c:dPt>
+            <c:idx val="112"/>
+            <c:bubble3D val="0"/>
+            <c:spPr>
+              <a:solidFill>
+                <a:schemeClr val="accent5"/>
+              </a:solidFill>
+              <a:ln w="19050">
+                <a:solidFill>
+                  <a:schemeClr val="lt1"/>
+                </a:solidFill>
+              </a:ln>
+              <a:effectLst/>
+            </c:spPr>
+            <c:extLst>
+              <c:ext xmlns:c16="http://schemas.microsoft.com/office/drawing/2014/chart" uri="{C3380CC4-5D6E-409C-BE32-E72D297353CC}">
+                <c16:uniqueId val="{000000E1-C6CD-4A46-9165-F64F8C0DE366}"/>
+              </c:ext>
+            </c:extLst>
+          </c:dPt>
+          <c:dPt>
+            <c:idx val="113"/>
+            <c:bubble3D val="0"/>
+            <c:spPr>
+              <a:solidFill>
+                <a:schemeClr val="accent6"/>
+              </a:solidFill>
+              <a:ln w="19050">
+                <a:solidFill>
+                  <a:schemeClr val="lt1"/>
+                </a:solidFill>
+              </a:ln>
+              <a:effectLst/>
+            </c:spPr>
+            <c:extLst>
+              <c:ext xmlns:c16="http://schemas.microsoft.com/office/drawing/2014/chart" uri="{C3380CC4-5D6E-409C-BE32-E72D297353CC}">
+                <c16:uniqueId val="{000000E3-C6CD-4A46-9165-F64F8C0DE366}"/>
+              </c:ext>
+            </c:extLst>
+          </c:dPt>
+          <c:dPt>
+            <c:idx val="114"/>
+            <c:bubble3D val="0"/>
+            <c:spPr>
+              <a:solidFill>
+                <a:schemeClr val="accent1">
+                  <a:lumMod val="60000"/>
+                </a:schemeClr>
+              </a:solidFill>
+              <a:ln w="19050">
+                <a:solidFill>
+                  <a:schemeClr val="lt1"/>
+                </a:solidFill>
+              </a:ln>
+              <a:effectLst/>
+            </c:spPr>
+            <c:extLst>
+              <c:ext xmlns:c16="http://schemas.microsoft.com/office/drawing/2014/chart" uri="{C3380CC4-5D6E-409C-BE32-E72D297353CC}">
+                <c16:uniqueId val="{000000E5-C6CD-4A46-9165-F64F8C0DE366}"/>
+              </c:ext>
+            </c:extLst>
+          </c:dPt>
+          <c:dPt>
+            <c:idx val="115"/>
+            <c:bubble3D val="0"/>
+            <c:spPr>
+              <a:solidFill>
+                <a:schemeClr val="accent2">
+                  <a:lumMod val="60000"/>
+                </a:schemeClr>
+              </a:solidFill>
+              <a:ln w="19050">
+                <a:solidFill>
+                  <a:schemeClr val="lt1"/>
+                </a:solidFill>
+              </a:ln>
+              <a:effectLst/>
+            </c:spPr>
+            <c:extLst>
+              <c:ext xmlns:c16="http://schemas.microsoft.com/office/drawing/2014/chart" uri="{C3380CC4-5D6E-409C-BE32-E72D297353CC}">
+                <c16:uniqueId val="{000000E7-C6CD-4A46-9165-F64F8C0DE366}"/>
+              </c:ext>
+            </c:extLst>
+          </c:dPt>
+          <c:dPt>
+            <c:idx val="116"/>
+            <c:bubble3D val="0"/>
+            <c:spPr>
+              <a:solidFill>
+                <a:schemeClr val="accent3">
+                  <a:lumMod val="60000"/>
+                </a:schemeClr>
+              </a:solidFill>
+              <a:ln w="19050">
+                <a:solidFill>
+                  <a:schemeClr val="lt1"/>
+                </a:solidFill>
+              </a:ln>
+              <a:effectLst/>
+            </c:spPr>
+            <c:extLst>
+              <c:ext xmlns:c16="http://schemas.microsoft.com/office/drawing/2014/chart" uri="{C3380CC4-5D6E-409C-BE32-E72D297353CC}">
+                <c16:uniqueId val="{000000E9-C6CD-4A46-9165-F64F8C0DE366}"/>
+              </c:ext>
+            </c:extLst>
+          </c:dPt>
+          <c:dPt>
+            <c:idx val="117"/>
+            <c:bubble3D val="0"/>
+            <c:spPr>
+              <a:solidFill>
+                <a:schemeClr val="accent4">
+                  <a:lumMod val="60000"/>
+                </a:schemeClr>
+              </a:solidFill>
+              <a:ln w="19050">
+                <a:solidFill>
+                  <a:schemeClr val="lt1"/>
+                </a:solidFill>
+              </a:ln>
+              <a:effectLst/>
+            </c:spPr>
+            <c:extLst>
+              <c:ext xmlns:c16="http://schemas.microsoft.com/office/drawing/2014/chart" uri="{C3380CC4-5D6E-409C-BE32-E72D297353CC}">
+                <c16:uniqueId val="{000000EB-C6CD-4A46-9165-F64F8C0DE366}"/>
+              </c:ext>
+            </c:extLst>
+          </c:dPt>
+          <c:dPt>
+            <c:idx val="118"/>
+            <c:bubble3D val="0"/>
+            <c:spPr>
+              <a:solidFill>
+                <a:schemeClr val="accent5">
+                  <a:lumMod val="60000"/>
+                </a:schemeClr>
+              </a:solidFill>
+              <a:ln w="19050">
+                <a:solidFill>
+                  <a:schemeClr val="lt1"/>
+                </a:solidFill>
+              </a:ln>
+              <a:effectLst/>
+            </c:spPr>
+            <c:extLst>
+              <c:ext xmlns:c16="http://schemas.microsoft.com/office/drawing/2014/chart" uri="{C3380CC4-5D6E-409C-BE32-E72D297353CC}">
+                <c16:uniqueId val="{000000ED-C6CD-4A46-9165-F64F8C0DE366}"/>
+              </c:ext>
+            </c:extLst>
+          </c:dPt>
+          <c:dPt>
+            <c:idx val="119"/>
+            <c:bubble3D val="0"/>
+            <c:spPr>
+              <a:solidFill>
+                <a:schemeClr val="accent6">
+                  <a:lumMod val="60000"/>
+                </a:schemeClr>
+              </a:solidFill>
+              <a:ln w="19050">
+                <a:solidFill>
+                  <a:schemeClr val="lt1"/>
+                </a:solidFill>
+              </a:ln>
+              <a:effectLst/>
+            </c:spPr>
+            <c:extLst>
+              <c:ext xmlns:c16="http://schemas.microsoft.com/office/drawing/2014/chart" uri="{C3380CC4-5D6E-409C-BE32-E72D297353CC}">
+                <c16:uniqueId val="{000000EF-C6CD-4A46-9165-F64F8C0DE366}"/>
+              </c:ext>
+            </c:extLst>
+          </c:dPt>
+          <c:dPt>
+            <c:idx val="120"/>
+            <c:bubble3D val="0"/>
+            <c:spPr>
+              <a:solidFill>
+                <a:schemeClr val="accent1">
+                  <a:lumMod val="80000"/>
+                  <a:lumOff val="20000"/>
+                </a:schemeClr>
+              </a:solidFill>
+              <a:ln w="19050">
+                <a:solidFill>
+                  <a:schemeClr val="lt1"/>
+                </a:solidFill>
+              </a:ln>
+              <a:effectLst/>
+            </c:spPr>
+            <c:extLst>
+              <c:ext xmlns:c16="http://schemas.microsoft.com/office/drawing/2014/chart" uri="{C3380CC4-5D6E-409C-BE32-E72D297353CC}">
+                <c16:uniqueId val="{000000F1-C6CD-4A46-9165-F64F8C0DE366}"/>
+              </c:ext>
+            </c:extLst>
+          </c:dPt>
+          <c:dPt>
+            <c:idx val="121"/>
+            <c:bubble3D val="0"/>
+            <c:spPr>
+              <a:solidFill>
+                <a:schemeClr val="accent2">
+                  <a:lumMod val="80000"/>
+                  <a:lumOff val="20000"/>
+                </a:schemeClr>
+              </a:solidFill>
+              <a:ln w="19050">
+                <a:solidFill>
+                  <a:schemeClr val="lt1"/>
+                </a:solidFill>
+              </a:ln>
+              <a:effectLst/>
+            </c:spPr>
+            <c:extLst>
+              <c:ext xmlns:c16="http://schemas.microsoft.com/office/drawing/2014/chart" uri="{C3380CC4-5D6E-409C-BE32-E72D297353CC}">
+                <c16:uniqueId val="{000000F3-C6CD-4A46-9165-F64F8C0DE366}"/>
+              </c:ext>
+            </c:extLst>
+          </c:dPt>
+          <c:dPt>
+            <c:idx val="122"/>
+            <c:bubble3D val="0"/>
+            <c:spPr>
+              <a:solidFill>
+                <a:schemeClr val="accent3">
+                  <a:lumMod val="80000"/>
+                  <a:lumOff val="20000"/>
+                </a:schemeClr>
+              </a:solidFill>
+              <a:ln w="19050">
+                <a:solidFill>
+                  <a:schemeClr val="lt1"/>
+                </a:solidFill>
+              </a:ln>
+              <a:effectLst/>
+            </c:spPr>
+            <c:extLst>
+              <c:ext xmlns:c16="http://schemas.microsoft.com/office/drawing/2014/chart" uri="{C3380CC4-5D6E-409C-BE32-E72D297353CC}">
+                <c16:uniqueId val="{000000F5-C6CD-4A46-9165-F64F8C0DE366}"/>
+              </c:ext>
+            </c:extLst>
+          </c:dPt>
+          <c:dPt>
+            <c:idx val="123"/>
+            <c:bubble3D val="0"/>
+            <c:spPr>
+              <a:solidFill>
+                <a:schemeClr val="accent4">
+                  <a:lumMod val="80000"/>
+                  <a:lumOff val="20000"/>
+                </a:schemeClr>
+              </a:solidFill>
+              <a:ln w="19050">
+                <a:solidFill>
+                  <a:schemeClr val="lt1"/>
+                </a:solidFill>
+              </a:ln>
+              <a:effectLst/>
+            </c:spPr>
+            <c:extLst>
+              <c:ext xmlns:c16="http://schemas.microsoft.com/office/drawing/2014/chart" uri="{C3380CC4-5D6E-409C-BE32-E72D297353CC}">
+                <c16:uniqueId val="{000000F7-C6CD-4A46-9165-F64F8C0DE366}"/>
+              </c:ext>
+            </c:extLst>
+          </c:dPt>
+          <c:dPt>
+            <c:idx val="124"/>
+            <c:bubble3D val="0"/>
+            <c:spPr>
+              <a:solidFill>
+                <a:schemeClr val="accent5">
+                  <a:lumMod val="80000"/>
+                  <a:lumOff val="20000"/>
+                </a:schemeClr>
+              </a:solidFill>
+              <a:ln w="19050">
+                <a:solidFill>
+                  <a:schemeClr val="lt1"/>
+                </a:solidFill>
+              </a:ln>
+              <a:effectLst/>
+            </c:spPr>
+            <c:extLst>
+              <c:ext xmlns:c16="http://schemas.microsoft.com/office/drawing/2014/chart" uri="{C3380CC4-5D6E-409C-BE32-E72D297353CC}">
+                <c16:uniqueId val="{000000F9-C6CD-4A46-9165-F64F8C0DE366}"/>
+              </c:ext>
+            </c:extLst>
+          </c:dPt>
+          <c:dPt>
+            <c:idx val="125"/>
+            <c:bubble3D val="0"/>
+            <c:spPr>
+              <a:solidFill>
+                <a:schemeClr val="accent6">
+                  <a:lumMod val="80000"/>
+                  <a:lumOff val="20000"/>
+                </a:schemeClr>
+              </a:solidFill>
+              <a:ln w="19050">
+                <a:solidFill>
+                  <a:schemeClr val="lt1"/>
+                </a:solidFill>
+              </a:ln>
+              <a:effectLst/>
+            </c:spPr>
+            <c:extLst>
+              <c:ext xmlns:c16="http://schemas.microsoft.com/office/drawing/2014/chart" uri="{C3380CC4-5D6E-409C-BE32-E72D297353CC}">
+                <c16:uniqueId val="{000000FB-C6CD-4A46-9165-F64F8C0DE366}"/>
+              </c:ext>
+            </c:extLst>
+          </c:dPt>
+          <c:dPt>
+            <c:idx val="126"/>
+            <c:bubble3D val="0"/>
+            <c:spPr>
+              <a:solidFill>
+                <a:schemeClr val="accent1">
+                  <a:lumMod val="80000"/>
+                </a:schemeClr>
+              </a:solidFill>
+              <a:ln w="19050">
+                <a:solidFill>
+                  <a:schemeClr val="lt1"/>
+                </a:solidFill>
+              </a:ln>
+              <a:effectLst/>
+            </c:spPr>
+            <c:extLst>
+              <c:ext xmlns:c16="http://schemas.microsoft.com/office/drawing/2014/chart" uri="{C3380CC4-5D6E-409C-BE32-E72D297353CC}">
+                <c16:uniqueId val="{000000FD-C6CD-4A46-9165-F64F8C0DE366}"/>
+              </c:ext>
+            </c:extLst>
+          </c:dPt>
+          <c:dPt>
+            <c:idx val="127"/>
+            <c:bubble3D val="0"/>
+            <c:spPr>
+              <a:solidFill>
+                <a:schemeClr val="accent2">
+                  <a:lumMod val="80000"/>
+                </a:schemeClr>
+              </a:solidFill>
+              <a:ln w="19050">
+                <a:solidFill>
+                  <a:schemeClr val="lt1"/>
+                </a:solidFill>
+              </a:ln>
+              <a:effectLst/>
+            </c:spPr>
+            <c:extLst>
+              <c:ext xmlns:c16="http://schemas.microsoft.com/office/drawing/2014/chart" uri="{C3380CC4-5D6E-409C-BE32-E72D297353CC}">
+                <c16:uniqueId val="{000000FF-C6CD-4A46-9165-F64F8C0DE366}"/>
+              </c:ext>
+            </c:extLst>
+          </c:dPt>
+          <c:dPt>
+            <c:idx val="128"/>
+            <c:bubble3D val="0"/>
+            <c:spPr>
+              <a:solidFill>
+                <a:schemeClr val="accent3">
+                  <a:lumMod val="80000"/>
+                </a:schemeClr>
+              </a:solidFill>
+              <a:ln w="19050">
+                <a:solidFill>
+                  <a:schemeClr val="lt1"/>
+                </a:solidFill>
+              </a:ln>
+              <a:effectLst/>
+            </c:spPr>
+            <c:extLst>
+              <c:ext xmlns:c16="http://schemas.microsoft.com/office/drawing/2014/chart" uri="{C3380CC4-5D6E-409C-BE32-E72D297353CC}">
+                <c16:uniqueId val="{00000101-C6CD-4A46-9165-F64F8C0DE366}"/>
+              </c:ext>
+            </c:extLst>
+          </c:dPt>
+          <c:dPt>
+            <c:idx val="129"/>
+            <c:bubble3D val="0"/>
+            <c:spPr>
+              <a:solidFill>
+                <a:schemeClr val="accent4">
+                  <a:lumMod val="80000"/>
+                </a:schemeClr>
+              </a:solidFill>
+              <a:ln w="19050">
+                <a:solidFill>
+                  <a:schemeClr val="lt1"/>
+                </a:solidFill>
+              </a:ln>
+              <a:effectLst/>
+            </c:spPr>
+            <c:extLst>
+              <c:ext xmlns:c16="http://schemas.microsoft.com/office/drawing/2014/chart" uri="{C3380CC4-5D6E-409C-BE32-E72D297353CC}">
+                <c16:uniqueId val="{00000103-C6CD-4A46-9165-F64F8C0DE366}"/>
+              </c:ext>
+            </c:extLst>
+          </c:dPt>
+          <c:dPt>
+            <c:idx val="130"/>
+            <c:bubble3D val="0"/>
+            <c:spPr>
+              <a:solidFill>
+                <a:schemeClr val="accent5">
+                  <a:lumMod val="80000"/>
+                </a:schemeClr>
+              </a:solidFill>
+              <a:ln w="19050">
+                <a:solidFill>
+                  <a:schemeClr val="lt1"/>
+                </a:solidFill>
+              </a:ln>
+              <a:effectLst/>
+            </c:spPr>
+            <c:extLst>
+              <c:ext xmlns:c16="http://schemas.microsoft.com/office/drawing/2014/chart" uri="{C3380CC4-5D6E-409C-BE32-E72D297353CC}">
+                <c16:uniqueId val="{00000105-C6CD-4A46-9165-F64F8C0DE366}"/>
+              </c:ext>
+            </c:extLst>
+          </c:dPt>
+          <c:dPt>
+            <c:idx val="131"/>
+            <c:bubble3D val="0"/>
+            <c:spPr>
+              <a:solidFill>
+                <a:schemeClr val="accent6">
+                  <a:lumMod val="80000"/>
+                </a:schemeClr>
+              </a:solidFill>
+              <a:ln w="19050">
+                <a:solidFill>
+                  <a:schemeClr val="lt1"/>
+                </a:solidFill>
+              </a:ln>
+              <a:effectLst/>
+            </c:spPr>
+            <c:extLst>
+              <c:ext xmlns:c16="http://schemas.microsoft.com/office/drawing/2014/chart" uri="{C3380CC4-5D6E-409C-BE32-E72D297353CC}">
+                <c16:uniqueId val="{00000107-C6CD-4A46-9165-F64F8C0DE366}"/>
+              </c:ext>
+            </c:extLst>
+          </c:dPt>
+          <c:dPt>
+            <c:idx val="132"/>
+            <c:bubble3D val="0"/>
+            <c:spPr>
+              <a:solidFill>
+                <a:schemeClr val="accent1">
+                  <a:lumMod val="60000"/>
+                  <a:lumOff val="40000"/>
+                </a:schemeClr>
+              </a:solidFill>
+              <a:ln w="19050">
+                <a:solidFill>
+                  <a:schemeClr val="lt1"/>
+                </a:solidFill>
+              </a:ln>
+              <a:effectLst/>
+            </c:spPr>
+            <c:extLst>
+              <c:ext xmlns:c16="http://schemas.microsoft.com/office/drawing/2014/chart" uri="{C3380CC4-5D6E-409C-BE32-E72D297353CC}">
+                <c16:uniqueId val="{00000109-C6CD-4A46-9165-F64F8C0DE366}"/>
+              </c:ext>
+            </c:extLst>
+          </c:dPt>
+          <c:dPt>
+            <c:idx val="133"/>
+            <c:bubble3D val="0"/>
+            <c:spPr>
+              <a:solidFill>
+                <a:schemeClr val="accent2">
+                  <a:lumMod val="60000"/>
+                  <a:lumOff val="40000"/>
+                </a:schemeClr>
+              </a:solidFill>
+              <a:ln w="19050">
+                <a:solidFill>
+                  <a:schemeClr val="lt1"/>
+                </a:solidFill>
+              </a:ln>
+              <a:effectLst/>
+            </c:spPr>
+            <c:extLst>
+              <c:ext xmlns:c16="http://schemas.microsoft.com/office/drawing/2014/chart" uri="{C3380CC4-5D6E-409C-BE32-E72D297353CC}">
+                <c16:uniqueId val="{0000010B-C6CD-4A46-9165-F64F8C0DE366}"/>
+              </c:ext>
+            </c:extLst>
+          </c:dPt>
+          <c:dPt>
+            <c:idx val="134"/>
+            <c:bubble3D val="0"/>
+            <c:spPr>
+              <a:solidFill>
+                <a:schemeClr val="accent3">
+                  <a:lumMod val="60000"/>
+                  <a:lumOff val="40000"/>
+                </a:schemeClr>
+              </a:solidFill>
+              <a:ln w="19050">
+                <a:solidFill>
+                  <a:schemeClr val="lt1"/>
+                </a:solidFill>
+              </a:ln>
+              <a:effectLst/>
+            </c:spPr>
+            <c:extLst>
+              <c:ext xmlns:c16="http://schemas.microsoft.com/office/drawing/2014/chart" uri="{C3380CC4-5D6E-409C-BE32-E72D297353CC}">
+                <c16:uniqueId val="{0000010D-C6CD-4A46-9165-F64F8C0DE366}"/>
+              </c:ext>
+            </c:extLst>
+          </c:dPt>
+          <c:dPt>
+            <c:idx val="135"/>
+            <c:bubble3D val="0"/>
+            <c:spPr>
+              <a:solidFill>
+                <a:schemeClr val="accent4">
+                  <a:lumMod val="60000"/>
+                  <a:lumOff val="40000"/>
+                </a:schemeClr>
+              </a:solidFill>
+              <a:ln w="19050">
+                <a:solidFill>
+                  <a:schemeClr val="lt1"/>
+                </a:solidFill>
+              </a:ln>
+              <a:effectLst/>
+            </c:spPr>
+            <c:extLst>
+              <c:ext xmlns:c16="http://schemas.microsoft.com/office/drawing/2014/chart" uri="{C3380CC4-5D6E-409C-BE32-E72D297353CC}">
+                <c16:uniqueId val="{0000010F-C6CD-4A46-9165-F64F8C0DE366}"/>
+              </c:ext>
+            </c:extLst>
+          </c:dPt>
+          <c:cat>
+            <c:strRef>
+              <c:f>'data-1730483451922'!$A$2:$A$137</c:f>
+              <c:strCache>
+                <c:ptCount val="136"/>
+                <c:pt idx="0">
+                  <c:v>United States</c:v>
+                </c:pt>
+                <c:pt idx="1">
+                  <c:v>India</c:v>
+                </c:pt>
+                <c:pt idx="2">
+                  <c:v>United Kingdom</c:v>
+                </c:pt>
+                <c:pt idx="3">
+                  <c:v>Canada</c:v>
+                </c:pt>
+                <c:pt idx="4">
+                  <c:v>Germany</c:v>
+                </c:pt>
+                <c:pt idx="5">
+                  <c:v>Japan</c:v>
+                </c:pt>
+                <c:pt idx="6">
+                  <c:v>Australia</c:v>
+                </c:pt>
+                <c:pt idx="7">
+                  <c:v>France</c:v>
+                </c:pt>
+                <c:pt idx="8">
+                  <c:v>Taiwan</c:v>
+                </c:pt>
+                <c:pt idx="9">
+                  <c:v>Netherlands</c:v>
+                </c:pt>
+                <c:pt idx="10">
+                  <c:v>Brazil</c:v>
+                </c:pt>
+                <c:pt idx="11">
+                  <c:v>Italy</c:v>
+                </c:pt>
+                <c:pt idx="12">
+                  <c:v>Spain</c:v>
+                </c:pt>
+                <c:pt idx="13">
+                  <c:v>Singapore</c:v>
+                </c:pt>
+                <c:pt idx="14">
+                  <c:v>Mexico</c:v>
+                </c:pt>
+                <c:pt idx="15">
+                  <c:v>Philippines</c:v>
+                </c:pt>
+                <c:pt idx="16">
+                  <c:v>Russia</c:v>
+                </c:pt>
+                <c:pt idx="17">
+                  <c:v>Indonesia</c:v>
+                </c:pt>
+                <c:pt idx="18">
+                  <c:v>Ireland</c:v>
+                </c:pt>
+                <c:pt idx="19">
+                  <c:v>Switzerland</c:v>
+                </c:pt>
+                <c:pt idx="20">
+                  <c:v>Poland</c:v>
+                </c:pt>
+                <c:pt idx="21">
+                  <c:v>Czechia</c:v>
+                </c:pt>
+                <c:pt idx="22">
+                  <c:v>Sweden</c:v>
+                </c:pt>
+                <c:pt idx="23">
+                  <c:v>Hong Kong</c:v>
+                </c:pt>
+                <c:pt idx="24">
+                  <c:v>Belgium</c:v>
+                </c:pt>
+                <c:pt idx="25">
+                  <c:v>Turkey</c:v>
+                </c:pt>
+                <c:pt idx="26">
+                  <c:v>Denmark</c:v>
+                </c:pt>
+                <c:pt idx="27">
+                  <c:v>Israel</c:v>
+                </c:pt>
+                <c:pt idx="28">
+                  <c:v>Ukraine</c:v>
+                </c:pt>
+                <c:pt idx="29">
+                  <c:v>Thailand</c:v>
+                </c:pt>
+                <c:pt idx="30">
+                  <c:v>Colombia</c:v>
+                </c:pt>
+                <c:pt idx="31">
+                  <c:v>Malaysia</c:v>
+                </c:pt>
+                <c:pt idx="32">
+                  <c:v>Romania</c:v>
+                </c:pt>
+                <c:pt idx="33">
+                  <c:v>South Korea</c:v>
+                </c:pt>
+                <c:pt idx="34">
+                  <c:v>New Zealand</c:v>
+                </c:pt>
+                <c:pt idx="35">
+                  <c:v>Greece</c:v>
+                </c:pt>
+                <c:pt idx="36">
+                  <c:v>Pakistan</c:v>
+                </c:pt>
+                <c:pt idx="37">
+                  <c:v>Argentina</c:v>
+                </c:pt>
+                <c:pt idx="38">
+                  <c:v>Austria</c:v>
+                </c:pt>
+                <c:pt idx="39">
+                  <c:v>Slovakia</c:v>
+                </c:pt>
+                <c:pt idx="40">
+                  <c:v>Vietnam</c:v>
+                </c:pt>
+                <c:pt idx="41">
+                  <c:v>Norway</c:v>
+                </c:pt>
+                <c:pt idx="42">
+                  <c:v>Bangladesh</c:v>
+                </c:pt>
+                <c:pt idx="43">
+                  <c:v>Venezuela</c:v>
+                </c:pt>
+                <c:pt idx="44">
+                  <c:v>Hungary</c:v>
+                </c:pt>
+                <c:pt idx="45">
+                  <c:v>Peru</c:v>
+                </c:pt>
+                <c:pt idx="46">
+                  <c:v>Chile</c:v>
+                </c:pt>
+                <c:pt idx="47">
+                  <c:v>South Africa</c:v>
+                </c:pt>
+                <c:pt idx="48">
+                  <c:v>China</c:v>
+                </c:pt>
+                <c:pt idx="49">
+                  <c:v>Portugal</c:v>
+                </c:pt>
+                <c:pt idx="50">
+                  <c:v>(not set)</c:v>
+                </c:pt>
+                <c:pt idx="51">
+                  <c:v>United Arab Emirates</c:v>
+                </c:pt>
+                <c:pt idx="52">
+                  <c:v>Croatia</c:v>
+                </c:pt>
+                <c:pt idx="53">
+                  <c:v>Sri Lanka</c:v>
+                </c:pt>
+                <c:pt idx="54">
+                  <c:v>Lithuania</c:v>
+                </c:pt>
+                <c:pt idx="55">
+                  <c:v>Panama</c:v>
+                </c:pt>
+                <c:pt idx="56">
+                  <c:v>Serbia</c:v>
+                </c:pt>
+                <c:pt idx="57">
+                  <c:v>Saudi Arabia</c:v>
+                </c:pt>
+                <c:pt idx="58">
+                  <c:v>Bulgaria</c:v>
+                </c:pt>
+                <c:pt idx="59">
+                  <c:v>Finland</c:v>
+                </c:pt>
+                <c:pt idx="60">
+                  <c:v>Ecuador</c:v>
+                </c:pt>
+                <c:pt idx="61">
+                  <c:v>Uruguay</c:v>
+                </c:pt>
+                <c:pt idx="62">
+                  <c:v>Egypt</c:v>
+                </c:pt>
+                <c:pt idx="63">
+                  <c:v>Estonia</c:v>
+                </c:pt>
+                <c:pt idx="64">
+                  <c:v>Dominican Republic</c:v>
+                </c:pt>
+                <c:pt idx="65">
+                  <c:v>Morocco</c:v>
+                </c:pt>
+                <c:pt idx="66">
+                  <c:v>El Salvador</c:v>
+                </c:pt>
+                <c:pt idx="67">
+                  <c:v>Guatemala</c:v>
+                </c:pt>
+                <c:pt idx="68">
+                  <c:v>Slovenia</c:v>
+                </c:pt>
+                <c:pt idx="69">
+                  <c:v>Puerto Rico</c:v>
+                </c:pt>
+                <c:pt idx="70">
+                  <c:v>Nigeria</c:v>
+                </c:pt>
+                <c:pt idx="71">
+                  <c:v>Latvia</c:v>
+                </c:pt>
+                <c:pt idx="72">
+                  <c:v>Kuwait</c:v>
+                </c:pt>
+                <c:pt idx="73">
+                  <c:v>Cambodia</c:v>
+                </c:pt>
+                <c:pt idx="74">
+                  <c:v>Costa Rica</c:v>
+                </c:pt>
+                <c:pt idx="75">
+                  <c:v>Cyprus</c:v>
+                </c:pt>
+                <c:pt idx="76">
+                  <c:v>Belarus</c:v>
+                </c:pt>
+                <c:pt idx="77">
+                  <c:v>Honduras</c:v>
+                </c:pt>
+                <c:pt idx="78">
+                  <c:v>Tunisia</c:v>
+                </c:pt>
+                <c:pt idx="79">
+                  <c:v>Georgia</c:v>
+                </c:pt>
+                <c:pt idx="80">
+                  <c:v>Qatar</c:v>
+                </c:pt>
+                <c:pt idx="81">
+                  <c:v>CÃ´te dâ€™Ivoire</c:v>
+                </c:pt>
+                <c:pt idx="82">
+                  <c:v>Nepal</c:v>
+                </c:pt>
+                <c:pt idx="83">
+                  <c:v>Bolivia</c:v>
+                </c:pt>
+                <c:pt idx="84">
+                  <c:v>Macedonia (FYROM)</c:v>
+                </c:pt>
+                <c:pt idx="85">
+                  <c:v>Kenya</c:v>
+                </c:pt>
+                <c:pt idx="86">
+                  <c:v>Iraq</c:v>
+                </c:pt>
+                <c:pt idx="87">
+                  <c:v>Algeria</c:v>
+                </c:pt>
+                <c:pt idx="88">
+                  <c:v>Bahrain</c:v>
+                </c:pt>
+                <c:pt idx="89">
+                  <c:v>Laos</c:v>
+                </c:pt>
+                <c:pt idx="90">
+                  <c:v>Macau</c:v>
+                </c:pt>
+                <c:pt idx="91">
+                  <c:v>Bahamas</c:v>
+                </c:pt>
+                <c:pt idx="92">
+                  <c:v>Ghana</c:v>
+                </c:pt>
+                <c:pt idx="93">
+                  <c:v>Albania</c:v>
+                </c:pt>
+                <c:pt idx="94">
+                  <c:v>Iceland</c:v>
+                </c:pt>
+                <c:pt idx="95">
+                  <c:v>Kazakhstan</c:v>
+                </c:pt>
+                <c:pt idx="96">
+                  <c:v>Bosnia &amp; Herzegovina</c:v>
+                </c:pt>
+                <c:pt idx="97">
+                  <c:v>Jordan</c:v>
+                </c:pt>
+                <c:pt idx="98">
+                  <c:v>Myanmar (Burma)</c:v>
+                </c:pt>
+                <c:pt idx="99">
+                  <c:v>Brunei</c:v>
+                </c:pt>
+                <c:pt idx="100">
+                  <c:v>Barbados</c:v>
+                </c:pt>
+                <c:pt idx="101">
+                  <c:v>Oman</c:v>
+                </c:pt>
+                <c:pt idx="102">
+                  <c:v>Malta</c:v>
+                </c:pt>
+                <c:pt idx="103">
+                  <c:v>Mauritius</c:v>
+                </c:pt>
+                <c:pt idx="104">
+                  <c:v>San Marino</c:v>
+                </c:pt>
+                <c:pt idx="105">
+                  <c:v>Papua New Guinea</c:v>
+                </c:pt>
+                <c:pt idx="106">
+                  <c:v>Trinidad &amp; Tobago</c:v>
+                </c:pt>
+                <c:pt idx="107">
+                  <c:v>Martinique</c:v>
+                </c:pt>
+                <c:pt idx="108">
+                  <c:v>Ethiopia</c:v>
+                </c:pt>
+                <c:pt idx="109">
+                  <c:v>Sudan</c:v>
+                </c:pt>
+                <c:pt idx="110">
+                  <c:v>Moldova</c:v>
+                </c:pt>
+                <c:pt idx="111">
+                  <c:v>Nicaragua</c:v>
+                </c:pt>
+                <c:pt idx="112">
+                  <c:v>Uganda</c:v>
+                </c:pt>
+                <c:pt idx="113">
+                  <c:v>RÃ©union</c:v>
+                </c:pt>
+                <c:pt idx="114">
+                  <c:v>French Polynesia</c:v>
+                </c:pt>
+                <c:pt idx="115">
+                  <c:v>Maldives</c:v>
+                </c:pt>
+                <c:pt idx="116">
+                  <c:v>Armenia</c:v>
+                </c:pt>
+                <c:pt idx="117">
+                  <c:v>Sint Maarten</c:v>
+                </c:pt>
+                <c:pt idx="118">
+                  <c:v>Gibraltar</c:v>
+                </c:pt>
+                <c:pt idx="119">
+                  <c:v>Mali</c:v>
+                </c:pt>
+                <c:pt idx="120">
+                  <c:v>Zimbabwe</c:v>
+                </c:pt>
+                <c:pt idx="121">
+                  <c:v>Haiti</c:v>
+                </c:pt>
+                <c:pt idx="122">
+                  <c:v>Luxembourg</c:v>
+                </c:pt>
+                <c:pt idx="123">
+                  <c:v>Somalia</c:v>
+                </c:pt>
+                <c:pt idx="124">
+                  <c:v>Rwanda</c:v>
+                </c:pt>
+                <c:pt idx="125">
+                  <c:v>Tanzania</c:v>
+                </c:pt>
+                <c:pt idx="126">
+                  <c:v>Palestine</c:v>
+                </c:pt>
+                <c:pt idx="127">
+                  <c:v>Montenegro</c:v>
+                </c:pt>
+                <c:pt idx="128">
+                  <c:v>Botswana</c:v>
+                </c:pt>
+                <c:pt idx="129">
+                  <c:v>Belize</c:v>
+                </c:pt>
+                <c:pt idx="130">
+                  <c:v>Lebanon</c:v>
+                </c:pt>
+                <c:pt idx="131">
+                  <c:v>Jamaica</c:v>
+                </c:pt>
+                <c:pt idx="132">
+                  <c:v>Kyrgyzstan</c:v>
+                </c:pt>
+                <c:pt idx="133">
+                  <c:v>Kosovo</c:v>
+                </c:pt>
+                <c:pt idx="134">
+                  <c:v>Jersey</c:v>
+                </c:pt>
+                <c:pt idx="135">
+                  <c:v>Paraguay</c:v>
+                </c:pt>
+              </c:strCache>
+            </c:strRef>
+          </c:cat>
+          <c:val>
+            <c:numRef>
+              <c:f>'data-1730483451922'!$B$2:$B$137</c:f>
+              <c:numCache>
+                <c:formatCode>General</c:formatCode>
+                <c:ptCount val="136"/>
+                <c:pt idx="0">
+                  <c:v>8727</c:v>
+                </c:pt>
+                <c:pt idx="1">
+                  <c:v>719</c:v>
+                </c:pt>
+                <c:pt idx="2">
+                  <c:v>668</c:v>
+                </c:pt>
+                <c:pt idx="3">
+                  <c:v>642</c:v>
+                </c:pt>
+                <c:pt idx="4">
+                  <c:v>336</c:v>
+                </c:pt>
+                <c:pt idx="5">
+                  <c:v>241</c:v>
+                </c:pt>
+                <c:pt idx="6">
+                  <c:v>225</c:v>
+                </c:pt>
+                <c:pt idx="7">
+                  <c:v>218</c:v>
+                </c:pt>
+                <c:pt idx="8">
+                  <c:v>174</c:v>
+                </c:pt>
+                <c:pt idx="9">
+                  <c:v>158</c:v>
+                </c:pt>
+                <c:pt idx="10">
+                  <c:v>149</c:v>
+                </c:pt>
+                <c:pt idx="11">
+                  <c:v>135</c:v>
+                </c:pt>
+                <c:pt idx="12">
+                  <c:v>119</c:v>
+                </c:pt>
+                <c:pt idx="13">
+                  <c:v>118</c:v>
+                </c:pt>
+                <c:pt idx="14">
+                  <c:v>103</c:v>
+                </c:pt>
+                <c:pt idx="15">
+                  <c:v>100</c:v>
+                </c:pt>
+                <c:pt idx="16">
+                  <c:v>99</c:v>
+                </c:pt>
+                <c:pt idx="17">
+                  <c:v>90</c:v>
+                </c:pt>
+                <c:pt idx="18">
+                  <c:v>87</c:v>
+                </c:pt>
+                <c:pt idx="19">
+                  <c:v>85</c:v>
+                </c:pt>
+                <c:pt idx="20">
+                  <c:v>84</c:v>
+                </c:pt>
+                <c:pt idx="21">
+                  <c:v>81</c:v>
+                </c:pt>
+                <c:pt idx="22">
+                  <c:v>76</c:v>
+                </c:pt>
+                <c:pt idx="23">
+                  <c:v>74</c:v>
+                </c:pt>
+                <c:pt idx="24">
+                  <c:v>67</c:v>
+                </c:pt>
+                <c:pt idx="25">
+                  <c:v>66</c:v>
+                </c:pt>
+                <c:pt idx="26">
+                  <c:v>64</c:v>
+                </c:pt>
+                <c:pt idx="27">
+                  <c:v>64</c:v>
+                </c:pt>
+                <c:pt idx="28">
+                  <c:v>63</c:v>
+                </c:pt>
+                <c:pt idx="29">
+                  <c:v>58</c:v>
+                </c:pt>
+                <c:pt idx="30">
+                  <c:v>54</c:v>
+                </c:pt>
+                <c:pt idx="31">
+                  <c:v>54</c:v>
+                </c:pt>
+                <c:pt idx="32">
+                  <c:v>53</c:v>
+                </c:pt>
+                <c:pt idx="33">
+                  <c:v>51</c:v>
+                </c:pt>
+                <c:pt idx="34">
+                  <c:v>51</c:v>
+                </c:pt>
+                <c:pt idx="35">
+                  <c:v>49</c:v>
+                </c:pt>
+                <c:pt idx="36">
+                  <c:v>47</c:v>
+                </c:pt>
+                <c:pt idx="37">
+                  <c:v>43</c:v>
+                </c:pt>
+                <c:pt idx="38">
+                  <c:v>40</c:v>
+                </c:pt>
+                <c:pt idx="39">
+                  <c:v>39</c:v>
+                </c:pt>
+                <c:pt idx="40">
+                  <c:v>38</c:v>
+                </c:pt>
+                <c:pt idx="41">
+                  <c:v>35</c:v>
+                </c:pt>
+                <c:pt idx="42">
+                  <c:v>32</c:v>
+                </c:pt>
+                <c:pt idx="43">
+                  <c:v>32</c:v>
+                </c:pt>
+                <c:pt idx="44">
+                  <c:v>32</c:v>
+                </c:pt>
+                <c:pt idx="45">
+                  <c:v>27</c:v>
+                </c:pt>
+                <c:pt idx="46">
+                  <c:v>27</c:v>
+                </c:pt>
+                <c:pt idx="47">
+                  <c:v>26</c:v>
+                </c:pt>
+                <c:pt idx="48">
+                  <c:v>26</c:v>
+                </c:pt>
+                <c:pt idx="49">
+                  <c:v>25</c:v>
+                </c:pt>
+                <c:pt idx="50">
+                  <c:v>24</c:v>
+                </c:pt>
+                <c:pt idx="51">
+                  <c:v>19</c:v>
+                </c:pt>
+                <c:pt idx="52">
+                  <c:v>19</c:v>
+                </c:pt>
+                <c:pt idx="53">
+                  <c:v>18</c:v>
+                </c:pt>
+                <c:pt idx="54">
+                  <c:v>18</c:v>
+                </c:pt>
+                <c:pt idx="55">
+                  <c:v>15</c:v>
+                </c:pt>
+                <c:pt idx="56">
+                  <c:v>15</c:v>
+                </c:pt>
+                <c:pt idx="57">
+                  <c:v>15</c:v>
+                </c:pt>
+                <c:pt idx="58">
+                  <c:v>15</c:v>
+                </c:pt>
+                <c:pt idx="59">
+                  <c:v>15</c:v>
+                </c:pt>
+                <c:pt idx="60">
+                  <c:v>14</c:v>
+                </c:pt>
+                <c:pt idx="61">
+                  <c:v>13</c:v>
+                </c:pt>
+                <c:pt idx="62">
+                  <c:v>13</c:v>
+                </c:pt>
+                <c:pt idx="63">
+                  <c:v>12</c:v>
+                </c:pt>
+                <c:pt idx="64">
+                  <c:v>12</c:v>
+                </c:pt>
+                <c:pt idx="65">
+                  <c:v>10</c:v>
+                </c:pt>
+                <c:pt idx="66">
+                  <c:v>10</c:v>
+                </c:pt>
+                <c:pt idx="67">
+                  <c:v>9</c:v>
+                </c:pt>
+                <c:pt idx="68">
+                  <c:v>9</c:v>
+                </c:pt>
+                <c:pt idx="69">
+                  <c:v>9</c:v>
+                </c:pt>
+                <c:pt idx="70">
+                  <c:v>8</c:v>
+                </c:pt>
+                <c:pt idx="71">
+                  <c:v>8</c:v>
+                </c:pt>
+                <c:pt idx="72">
+                  <c:v>6</c:v>
+                </c:pt>
+                <c:pt idx="73">
+                  <c:v>6</c:v>
+                </c:pt>
+                <c:pt idx="74">
+                  <c:v>6</c:v>
+                </c:pt>
+                <c:pt idx="75">
+                  <c:v>6</c:v>
+                </c:pt>
+                <c:pt idx="76">
+                  <c:v>6</c:v>
+                </c:pt>
+                <c:pt idx="77">
+                  <c:v>5</c:v>
+                </c:pt>
+                <c:pt idx="78">
+                  <c:v>5</c:v>
+                </c:pt>
+                <c:pt idx="79">
+                  <c:v>5</c:v>
+                </c:pt>
+                <c:pt idx="80">
+                  <c:v>4</c:v>
+                </c:pt>
+                <c:pt idx="81">
+                  <c:v>4</c:v>
+                </c:pt>
+                <c:pt idx="82">
+                  <c:v>4</c:v>
+                </c:pt>
+                <c:pt idx="83">
+                  <c:v>4</c:v>
+                </c:pt>
+                <c:pt idx="84">
+                  <c:v>4</c:v>
+                </c:pt>
+                <c:pt idx="85">
+                  <c:v>4</c:v>
+                </c:pt>
+                <c:pt idx="86">
+                  <c:v>4</c:v>
+                </c:pt>
+                <c:pt idx="87">
+                  <c:v>4</c:v>
+                </c:pt>
+                <c:pt idx="88">
+                  <c:v>4</c:v>
+                </c:pt>
+                <c:pt idx="89">
+                  <c:v>3</c:v>
+                </c:pt>
+                <c:pt idx="90">
+                  <c:v>3</c:v>
+                </c:pt>
+                <c:pt idx="91">
+                  <c:v>3</c:v>
+                </c:pt>
+                <c:pt idx="92">
+                  <c:v>3</c:v>
+                </c:pt>
+                <c:pt idx="93">
+                  <c:v>3</c:v>
+                </c:pt>
+                <c:pt idx="94">
+                  <c:v>3</c:v>
+                </c:pt>
+                <c:pt idx="95">
+                  <c:v>3</c:v>
+                </c:pt>
+                <c:pt idx="96">
+                  <c:v>3</c:v>
+                </c:pt>
+                <c:pt idx="97">
+                  <c:v>3</c:v>
+                </c:pt>
+                <c:pt idx="98">
+                  <c:v>3</c:v>
+                </c:pt>
+                <c:pt idx="99">
+                  <c:v>2</c:v>
+                </c:pt>
+                <c:pt idx="100">
+                  <c:v>2</c:v>
+                </c:pt>
+                <c:pt idx="101">
+                  <c:v>2</c:v>
+                </c:pt>
+                <c:pt idx="102">
+                  <c:v>2</c:v>
+                </c:pt>
+                <c:pt idx="103">
+                  <c:v>2</c:v>
+                </c:pt>
+                <c:pt idx="104">
+                  <c:v>2</c:v>
+                </c:pt>
+                <c:pt idx="105">
+                  <c:v>2</c:v>
+                </c:pt>
+                <c:pt idx="106">
+                  <c:v>2</c:v>
+                </c:pt>
+                <c:pt idx="107">
+                  <c:v>2</c:v>
+                </c:pt>
+                <c:pt idx="108">
+                  <c:v>2</c:v>
+                </c:pt>
+                <c:pt idx="109">
+                  <c:v>2</c:v>
+                </c:pt>
+                <c:pt idx="110">
+                  <c:v>2</c:v>
+                </c:pt>
+                <c:pt idx="111">
+                  <c:v>2</c:v>
+                </c:pt>
+                <c:pt idx="112">
+                  <c:v>2</c:v>
+                </c:pt>
+                <c:pt idx="113">
+                  <c:v>2</c:v>
+                </c:pt>
+                <c:pt idx="114">
+                  <c:v>1</c:v>
+                </c:pt>
+                <c:pt idx="115">
+                  <c:v>1</c:v>
+                </c:pt>
+                <c:pt idx="116">
+                  <c:v>1</c:v>
+                </c:pt>
+                <c:pt idx="117">
+                  <c:v>1</c:v>
+                </c:pt>
+                <c:pt idx="118">
+                  <c:v>1</c:v>
+                </c:pt>
+                <c:pt idx="119">
+                  <c:v>1</c:v>
+                </c:pt>
+                <c:pt idx="120">
+                  <c:v>1</c:v>
+                </c:pt>
+                <c:pt idx="121">
+                  <c:v>1</c:v>
+                </c:pt>
+                <c:pt idx="122">
+                  <c:v>1</c:v>
+                </c:pt>
+                <c:pt idx="123">
+                  <c:v>1</c:v>
+                </c:pt>
+                <c:pt idx="124">
+                  <c:v>1</c:v>
+                </c:pt>
+                <c:pt idx="125">
+                  <c:v>1</c:v>
+                </c:pt>
+                <c:pt idx="126">
+                  <c:v>1</c:v>
+                </c:pt>
+                <c:pt idx="127">
+                  <c:v>1</c:v>
+                </c:pt>
+                <c:pt idx="128">
+                  <c:v>1</c:v>
+                </c:pt>
+                <c:pt idx="129">
+                  <c:v>1</c:v>
+                </c:pt>
+                <c:pt idx="130">
+                  <c:v>1</c:v>
+                </c:pt>
+                <c:pt idx="131">
+                  <c:v>1</c:v>
+                </c:pt>
+                <c:pt idx="132">
+                  <c:v>1</c:v>
+                </c:pt>
+                <c:pt idx="133">
+                  <c:v>1</c:v>
+                </c:pt>
+                <c:pt idx="134">
+                  <c:v>1</c:v>
+                </c:pt>
+                <c:pt idx="135">
+                  <c:v>1</c:v>
+                </c:pt>
+              </c:numCache>
+            </c:numRef>
+          </c:val>
+          <c:extLst>
+            <c:ext xmlns:c16="http://schemas.microsoft.com/office/drawing/2014/chart" uri="{C3380CC4-5D6E-409C-BE32-E72D297353CC}">
+              <c16:uniqueId val="{00000110-C6CD-4A46-9165-F64F8C0DE366}"/>
+            </c:ext>
+          </c:extLst>
+        </c:ser>
+        <c:dLbls>
+          <c:showLegendKey val="0"/>
+          <c:showVal val="0"/>
+          <c:showCatName val="0"/>
+          <c:showSerName val="0"/>
+          <c:showPercent val="0"/>
+          <c:showBubbleSize val="0"/>
+          <c:showLeaderLines val="1"/>
+        </c:dLbls>
+        <c:firstSliceAng val="0"/>
+      </c:pieChart>
+      <c:spPr>
+        <a:noFill/>
+        <a:ln>
+          <a:noFill/>
+        </a:ln>
+        <a:effectLst/>
+      </c:spPr>
+    </c:plotArea>
+    <c:legend>
+      <c:legendPos val="b"/>
+      <c:overlay val="0"/>
+      <c:spPr>
+        <a:noFill/>
+        <a:ln>
+          <a:noFill/>
+        </a:ln>
+        <a:effectLst/>
+      </c:spPr>
+      <c:txPr>
+        <a:bodyPr rot="0" spcFirstLastPara="1" vertOverflow="ellipsis" vert="horz" wrap="square" anchor="ctr" anchorCtr="1"/>
+        <a:lstStyle/>
+        <a:p>
+          <a:pPr>
+            <a:defRPr sz="900" b="0" i="0" u="none" strike="noStrike" kern="1200" baseline="0">
+              <a:solidFill>
+                <a:schemeClr val="tx1">
+                  <a:lumMod val="65000"/>
+                  <a:lumOff val="35000"/>
+                </a:schemeClr>
+              </a:solidFill>
+              <a:latin typeface="+mn-lt"/>
+              <a:ea typeface="+mn-ea"/>
+              <a:cs typeface="+mn-cs"/>
+            </a:defRPr>
+          </a:pPr>
+          <a:endParaRPr lang="en-US"/>
+        </a:p>
+      </c:txPr>
+    </c:legend>
+    <c:plotVisOnly val="1"/>
+    <c:dispBlanksAs val="gap"/>
+    <c:extLst>
+      <c:ext xmlns:c16r3="http://schemas.microsoft.com/office/drawing/2017/03/chart" uri="{56B9EC1D-385E-4148-901F-78D8002777C0}">
+        <c16r3:dataDisplayOptions16>
+          <c16r3:dispNaAsBlank val="1"/>
+        </c16r3:dataDisplayOptions16>
+      </c:ext>
+    </c:extLst>
+    <c:showDLblsOverMax val="0"/>
+  </c:chart>
+  <c:spPr>
+    <a:noFill/>
+    <a:ln>
+      <a:noFill/>
+    </a:ln>
+    <a:effectLst/>
+  </c:spPr>
+  <c:txPr>
+    <a:bodyPr/>
+    <a:lstStyle/>
+    <a:p>
+      <a:pPr>
+        <a:defRPr/>
+      </a:pPr>
+      <a:endParaRPr lang="en-US"/>
+    </a:p>
+  </c:txPr>
+  <c:externalData r:id="rId3">
+    <c:autoUpdate val="0"/>
+  </c:externalData>
+</c:chartSpace>
+</file>
+
 <file path=ppt/charts/colors1.xml><?xml version="1.0" encoding="utf-8"?>
 <cs:colorStyle xmlns:cs="http://schemas.microsoft.com/office/drawing/2012/chartStyle" xmlns:a="http://schemas.openxmlformats.org/drawingml/2006/main" meth="withinLinearReversed" id="26">
   <a:schemeClr val="accent6"/>
@@ -1752,6 +5771,46 @@
 </file>
 
 <file path=ppt/charts/colors3.xml><?xml version="1.0" encoding="utf-8"?>
+<cs:colorStyle xmlns:cs="http://schemas.microsoft.com/office/drawing/2012/chartStyle" xmlns:a="http://schemas.openxmlformats.org/drawingml/2006/main" meth="cycle" id="10">
+  <a:schemeClr val="accent1"/>
+  <a:schemeClr val="accent2"/>
+  <a:schemeClr val="accent3"/>
+  <a:schemeClr val="accent4"/>
+  <a:schemeClr val="accent5"/>
+  <a:schemeClr val="accent6"/>
+  <cs:variation/>
+  <cs:variation>
+    <a:lumMod val="60000"/>
+  </cs:variation>
+  <cs:variation>
+    <a:lumMod val="80000"/>
+    <a:lumOff val="20000"/>
+  </cs:variation>
+  <cs:variation>
+    <a:lumMod val="80000"/>
+  </cs:variation>
+  <cs:variation>
+    <a:lumMod val="60000"/>
+    <a:lumOff val="40000"/>
+  </cs:variation>
+  <cs:variation>
+    <a:lumMod val="50000"/>
+  </cs:variation>
+  <cs:variation>
+    <a:lumMod val="70000"/>
+    <a:lumOff val="30000"/>
+  </cs:variation>
+  <cs:variation>
+    <a:lumMod val="70000"/>
+  </cs:variation>
+  <cs:variation>
+    <a:lumMod val="50000"/>
+    <a:lumOff val="50000"/>
+  </cs:variation>
+</cs:colorStyle>
+</file>
+
+<file path=ppt/charts/colors4.xml><?xml version="1.0" encoding="utf-8"?>
 <cs:colorStyle xmlns:cs="http://schemas.microsoft.com/office/drawing/2012/chartStyle" xmlns:a="http://schemas.openxmlformats.org/drawingml/2006/main" meth="cycle" id="10">
   <a:schemeClr val="accent1"/>
   <a:schemeClr val="accent2"/>
@@ -3332,6 +7391,525 @@
 </cs:chartStyle>
 </file>
 
+<file path=ppt/charts/style4.xml><?xml version="1.0" encoding="utf-8"?>
+<cs:chartStyle xmlns:cs="http://schemas.microsoft.com/office/drawing/2012/chartStyle" xmlns:a="http://schemas.openxmlformats.org/drawingml/2006/main" id="251">
+  <cs:axisTitle>
+    <cs:lnRef idx="0"/>
+    <cs:fillRef idx="0"/>
+    <cs:effectRef idx="0"/>
+    <cs:fontRef idx="minor">
+      <a:schemeClr val="tx1">
+        <a:lumMod val="65000"/>
+        <a:lumOff val="35000"/>
+      </a:schemeClr>
+    </cs:fontRef>
+    <cs:defRPr sz="1000" kern="1200"/>
+  </cs:axisTitle>
+  <cs:categoryAxis>
+    <cs:lnRef idx="0"/>
+    <cs:fillRef idx="0"/>
+    <cs:effectRef idx="0"/>
+    <cs:fontRef idx="minor">
+      <a:schemeClr val="tx1">
+        <a:lumMod val="65000"/>
+        <a:lumOff val="35000"/>
+      </a:schemeClr>
+    </cs:fontRef>
+    <cs:spPr>
+      <a:ln w="9525" cap="flat" cmpd="sng" algn="ctr">
+        <a:solidFill>
+          <a:schemeClr val="tx1">
+            <a:lumMod val="15000"/>
+            <a:lumOff val="85000"/>
+          </a:schemeClr>
+        </a:solidFill>
+        <a:round/>
+      </a:ln>
+    </cs:spPr>
+    <cs:defRPr sz="900" kern="1200"/>
+  </cs:categoryAxis>
+  <cs:chartArea mods="allowNoFillOverride allowNoLineOverride">
+    <cs:lnRef idx="0"/>
+    <cs:fillRef idx="0"/>
+    <cs:effectRef idx="0"/>
+    <cs:fontRef idx="minor">
+      <a:schemeClr val="tx1"/>
+    </cs:fontRef>
+    <cs:spPr>
+      <a:solidFill>
+        <a:schemeClr val="bg1"/>
+      </a:solidFill>
+      <a:ln w="9525" cap="flat" cmpd="sng" algn="ctr">
+        <a:solidFill>
+          <a:schemeClr val="tx1">
+            <a:lumMod val="15000"/>
+            <a:lumOff val="85000"/>
+          </a:schemeClr>
+        </a:solidFill>
+        <a:round/>
+      </a:ln>
+    </cs:spPr>
+    <cs:defRPr sz="900" kern="1200"/>
+  </cs:chartArea>
+  <cs:dataLabel>
+    <cs:lnRef idx="0"/>
+    <cs:fillRef idx="0"/>
+    <cs:effectRef idx="0"/>
+    <cs:fontRef idx="minor">
+      <a:schemeClr val="tx1">
+        <a:lumMod val="75000"/>
+        <a:lumOff val="25000"/>
+      </a:schemeClr>
+    </cs:fontRef>
+    <cs:defRPr sz="900" kern="1200"/>
+  </cs:dataLabel>
+  <cs:dataLabelCallout>
+    <cs:lnRef idx="0"/>
+    <cs:fillRef idx="0"/>
+    <cs:effectRef idx="0"/>
+    <cs:fontRef idx="minor">
+      <a:schemeClr val="dk1">
+        <a:lumMod val="65000"/>
+        <a:lumOff val="35000"/>
+      </a:schemeClr>
+    </cs:fontRef>
+    <cs:spPr>
+      <a:solidFill>
+        <a:schemeClr val="lt1"/>
+      </a:solidFill>
+      <a:ln>
+        <a:solidFill>
+          <a:schemeClr val="dk1">
+            <a:lumMod val="25000"/>
+            <a:lumOff val="75000"/>
+          </a:schemeClr>
+        </a:solidFill>
+      </a:ln>
+    </cs:spPr>
+    <cs:defRPr sz="900" kern="1200"/>
+    <cs:bodyPr rot="0" spcFirstLastPara="1" vertOverflow="clip" horzOverflow="clip" vert="horz" wrap="square" lIns="36576" tIns="18288" rIns="36576" bIns="18288" anchor="ctr" anchorCtr="1">
+      <a:spAutoFit/>
+    </cs:bodyPr>
+  </cs:dataLabelCallout>
+  <cs:dataPoint>
+    <cs:lnRef idx="0"/>
+    <cs:fillRef idx="1">
+      <cs:styleClr val="auto"/>
+    </cs:fillRef>
+    <cs:effectRef idx="0"/>
+    <cs:fontRef idx="minor">
+      <a:schemeClr val="tx1"/>
+    </cs:fontRef>
+    <cs:spPr>
+      <a:ln w="19050">
+        <a:solidFill>
+          <a:schemeClr val="lt1"/>
+        </a:solidFill>
+      </a:ln>
+    </cs:spPr>
+  </cs:dataPoint>
+  <cs:dataPoint3D>
+    <cs:lnRef idx="0"/>
+    <cs:fillRef idx="1">
+      <cs:styleClr val="auto"/>
+    </cs:fillRef>
+    <cs:effectRef idx="0"/>
+    <cs:fontRef idx="minor">
+      <a:schemeClr val="tx1"/>
+    </cs:fontRef>
+    <cs:spPr>
+      <a:ln w="25400">
+        <a:solidFill>
+          <a:schemeClr val="lt1"/>
+        </a:solidFill>
+      </a:ln>
+    </cs:spPr>
+  </cs:dataPoint3D>
+  <cs:dataPointLine>
+    <cs:lnRef idx="0">
+      <cs:styleClr val="auto"/>
+    </cs:lnRef>
+    <cs:fillRef idx="0"/>
+    <cs:effectRef idx="0"/>
+    <cs:fontRef idx="minor">
+      <a:schemeClr val="tx1"/>
+    </cs:fontRef>
+    <cs:spPr>
+      <a:ln w="28575" cap="rnd">
+        <a:solidFill>
+          <a:schemeClr val="phClr"/>
+        </a:solidFill>
+        <a:round/>
+      </a:ln>
+    </cs:spPr>
+  </cs:dataPointLine>
+  <cs:dataPointMarker>
+    <cs:lnRef idx="0">
+      <cs:styleClr val="auto"/>
+    </cs:lnRef>
+    <cs:fillRef idx="1">
+      <cs:styleClr val="auto"/>
+    </cs:fillRef>
+    <cs:effectRef idx="0"/>
+    <cs:fontRef idx="minor">
+      <a:schemeClr val="tx1"/>
+    </cs:fontRef>
+    <cs:spPr>
+      <a:ln w="9525">
+        <a:solidFill>
+          <a:schemeClr val="phClr"/>
+        </a:solidFill>
+      </a:ln>
+    </cs:spPr>
+  </cs:dataPointMarker>
+  <cs:dataPointMarkerLayout symbol="circle" size="5"/>
+  <cs:dataPointWireframe>
+    <cs:lnRef idx="0">
+      <cs:styleClr val="auto"/>
+    </cs:lnRef>
+    <cs:fillRef idx="0"/>
+    <cs:effectRef idx="0"/>
+    <cs:fontRef idx="minor">
+      <a:schemeClr val="tx1"/>
+    </cs:fontRef>
+    <cs:spPr>
+      <a:ln w="9525" cap="rnd">
+        <a:solidFill>
+          <a:schemeClr val="phClr"/>
+        </a:solidFill>
+        <a:round/>
+      </a:ln>
+    </cs:spPr>
+  </cs:dataPointWireframe>
+  <cs:dataTable>
+    <cs:lnRef idx="0"/>
+    <cs:fillRef idx="0"/>
+    <cs:effectRef idx="0"/>
+    <cs:fontRef idx="minor">
+      <a:schemeClr val="tx1">
+        <a:lumMod val="65000"/>
+        <a:lumOff val="35000"/>
+      </a:schemeClr>
+    </cs:fontRef>
+    <cs:spPr>
+      <a:noFill/>
+      <a:ln w="9525" cap="flat" cmpd="sng" algn="ctr">
+        <a:solidFill>
+          <a:schemeClr val="tx1">
+            <a:lumMod val="15000"/>
+            <a:lumOff val="85000"/>
+          </a:schemeClr>
+        </a:solidFill>
+        <a:round/>
+      </a:ln>
+    </cs:spPr>
+    <cs:defRPr sz="900" kern="1200"/>
+  </cs:dataTable>
+  <cs:downBar>
+    <cs:lnRef idx="0"/>
+    <cs:fillRef idx="0"/>
+    <cs:effectRef idx="0"/>
+    <cs:fontRef idx="minor">
+      <a:schemeClr val="tx1"/>
+    </cs:fontRef>
+    <cs:spPr>
+      <a:solidFill>
+        <a:schemeClr val="dk1">
+          <a:lumMod val="75000"/>
+          <a:lumOff val="25000"/>
+        </a:schemeClr>
+      </a:solidFill>
+      <a:ln w="9525" cap="flat" cmpd="sng" algn="ctr">
+        <a:solidFill>
+          <a:schemeClr val="tx1">
+            <a:lumMod val="65000"/>
+            <a:lumOff val="35000"/>
+          </a:schemeClr>
+        </a:solidFill>
+        <a:round/>
+      </a:ln>
+    </cs:spPr>
+  </cs:downBar>
+  <cs:dropLine>
+    <cs:lnRef idx="0"/>
+    <cs:fillRef idx="0"/>
+    <cs:effectRef idx="0"/>
+    <cs:fontRef idx="minor">
+      <a:schemeClr val="tx1"/>
+    </cs:fontRef>
+    <cs:spPr>
+      <a:ln w="9525" cap="flat" cmpd="sng" algn="ctr">
+        <a:solidFill>
+          <a:schemeClr val="tx1">
+            <a:lumMod val="35000"/>
+            <a:lumOff val="65000"/>
+          </a:schemeClr>
+        </a:solidFill>
+        <a:round/>
+      </a:ln>
+    </cs:spPr>
+  </cs:dropLine>
+  <cs:errorBar>
+    <cs:lnRef idx="0"/>
+    <cs:fillRef idx="0"/>
+    <cs:effectRef idx="0"/>
+    <cs:fontRef idx="minor">
+      <a:schemeClr val="tx1"/>
+    </cs:fontRef>
+    <cs:spPr>
+      <a:ln w="9525" cap="flat" cmpd="sng" algn="ctr">
+        <a:solidFill>
+          <a:schemeClr val="tx1">
+            <a:lumMod val="65000"/>
+            <a:lumOff val="35000"/>
+          </a:schemeClr>
+        </a:solidFill>
+        <a:round/>
+      </a:ln>
+    </cs:spPr>
+  </cs:errorBar>
+  <cs:floor>
+    <cs:lnRef idx="0"/>
+    <cs:fillRef idx="0"/>
+    <cs:effectRef idx="0"/>
+    <cs:fontRef idx="minor">
+      <a:schemeClr val="tx1"/>
+    </cs:fontRef>
+    <cs:spPr>
+      <a:noFill/>
+      <a:ln>
+        <a:noFill/>
+      </a:ln>
+    </cs:spPr>
+  </cs:floor>
+  <cs:gridlineMajor>
+    <cs:lnRef idx="0"/>
+    <cs:fillRef idx="0"/>
+    <cs:effectRef idx="0"/>
+    <cs:fontRef idx="minor">
+      <a:schemeClr val="tx1"/>
+    </cs:fontRef>
+    <cs:spPr>
+      <a:ln w="9525" cap="flat" cmpd="sng" algn="ctr">
+        <a:solidFill>
+          <a:schemeClr val="tx1">
+            <a:lumMod val="15000"/>
+            <a:lumOff val="85000"/>
+          </a:schemeClr>
+        </a:solidFill>
+        <a:round/>
+      </a:ln>
+    </cs:spPr>
+  </cs:gridlineMajor>
+  <cs:gridlineMinor>
+    <cs:lnRef idx="0"/>
+    <cs:fillRef idx="0"/>
+    <cs:effectRef idx="0"/>
+    <cs:fontRef idx="minor">
+      <a:schemeClr val="tx1"/>
+    </cs:fontRef>
+    <cs:spPr>
+      <a:ln w="9525" cap="flat" cmpd="sng" algn="ctr">
+        <a:solidFill>
+          <a:schemeClr val="tx1">
+            <a:lumMod val="5000"/>
+            <a:lumOff val="95000"/>
+          </a:schemeClr>
+        </a:solidFill>
+        <a:round/>
+      </a:ln>
+    </cs:spPr>
+  </cs:gridlineMinor>
+  <cs:hiLoLine>
+    <cs:lnRef idx="0"/>
+    <cs:fillRef idx="0"/>
+    <cs:effectRef idx="0"/>
+    <cs:fontRef idx="minor">
+      <a:schemeClr val="tx1"/>
+    </cs:fontRef>
+    <cs:spPr>
+      <a:ln w="9525" cap="flat" cmpd="sng" algn="ctr">
+        <a:solidFill>
+          <a:schemeClr val="tx1">
+            <a:lumMod val="50000"/>
+            <a:lumOff val="50000"/>
+          </a:schemeClr>
+        </a:solidFill>
+        <a:round/>
+      </a:ln>
+    </cs:spPr>
+  </cs:hiLoLine>
+  <cs:leaderLine>
+    <cs:lnRef idx="0"/>
+    <cs:fillRef idx="0"/>
+    <cs:effectRef idx="0"/>
+    <cs:fontRef idx="minor">
+      <a:schemeClr val="tx1"/>
+    </cs:fontRef>
+    <cs:spPr>
+      <a:ln w="9525" cap="flat" cmpd="sng" algn="ctr">
+        <a:solidFill>
+          <a:schemeClr val="tx1">
+            <a:lumMod val="35000"/>
+            <a:lumOff val="65000"/>
+          </a:schemeClr>
+        </a:solidFill>
+        <a:round/>
+      </a:ln>
+    </cs:spPr>
+  </cs:leaderLine>
+  <cs:legend>
+    <cs:lnRef idx="0"/>
+    <cs:fillRef idx="0"/>
+    <cs:effectRef idx="0"/>
+    <cs:fontRef idx="minor">
+      <a:schemeClr val="tx1">
+        <a:lumMod val="65000"/>
+        <a:lumOff val="35000"/>
+      </a:schemeClr>
+    </cs:fontRef>
+    <cs:defRPr sz="900" kern="1200"/>
+  </cs:legend>
+  <cs:plotArea mods="allowNoFillOverride allowNoLineOverride">
+    <cs:lnRef idx="0"/>
+    <cs:fillRef idx="0"/>
+    <cs:effectRef idx="0"/>
+    <cs:fontRef idx="minor">
+      <a:schemeClr val="tx1"/>
+    </cs:fontRef>
+  </cs:plotArea>
+  <cs:plotArea3D mods="allowNoFillOverride allowNoLineOverride">
+    <cs:lnRef idx="0"/>
+    <cs:fillRef idx="0"/>
+    <cs:effectRef idx="0"/>
+    <cs:fontRef idx="minor">
+      <a:schemeClr val="tx1"/>
+    </cs:fontRef>
+  </cs:plotArea3D>
+  <cs:seriesAxis>
+    <cs:lnRef idx="0"/>
+    <cs:fillRef idx="0"/>
+    <cs:effectRef idx="0"/>
+    <cs:fontRef idx="minor">
+      <a:schemeClr val="tx1">
+        <a:lumMod val="65000"/>
+        <a:lumOff val="35000"/>
+      </a:schemeClr>
+    </cs:fontRef>
+    <cs:defRPr sz="900" kern="1200"/>
+  </cs:seriesAxis>
+  <cs:seriesLine>
+    <cs:lnRef idx="0"/>
+    <cs:fillRef idx="0"/>
+    <cs:effectRef idx="0"/>
+    <cs:fontRef idx="minor">
+      <a:schemeClr val="tx1"/>
+    </cs:fontRef>
+    <cs:spPr>
+      <a:ln w="9525" cap="flat" cmpd="sng" algn="ctr">
+        <a:solidFill>
+          <a:schemeClr val="tx1">
+            <a:lumMod val="35000"/>
+            <a:lumOff val="65000"/>
+          </a:schemeClr>
+        </a:solidFill>
+        <a:round/>
+      </a:ln>
+    </cs:spPr>
+  </cs:seriesLine>
+  <cs:title>
+    <cs:lnRef idx="0"/>
+    <cs:fillRef idx="0"/>
+    <cs:effectRef idx="0"/>
+    <cs:fontRef idx="minor">
+      <a:schemeClr val="tx1">
+        <a:lumMod val="65000"/>
+        <a:lumOff val="35000"/>
+      </a:schemeClr>
+    </cs:fontRef>
+    <cs:defRPr sz="1400" b="0" kern="1200" spc="0" baseline="0"/>
+  </cs:title>
+  <cs:trendline>
+    <cs:lnRef idx="0">
+      <cs:styleClr val="auto"/>
+    </cs:lnRef>
+    <cs:fillRef idx="0"/>
+    <cs:effectRef idx="0"/>
+    <cs:fontRef idx="minor">
+      <a:schemeClr val="tx1"/>
+    </cs:fontRef>
+    <cs:spPr>
+      <a:ln w="19050" cap="rnd">
+        <a:solidFill>
+          <a:schemeClr val="phClr"/>
+        </a:solidFill>
+        <a:prstDash val="sysDot"/>
+      </a:ln>
+    </cs:spPr>
+  </cs:trendline>
+  <cs:trendlineLabel>
+    <cs:lnRef idx="0"/>
+    <cs:fillRef idx="0"/>
+    <cs:effectRef idx="0"/>
+    <cs:fontRef idx="minor">
+      <a:schemeClr val="tx1">
+        <a:lumMod val="65000"/>
+        <a:lumOff val="35000"/>
+      </a:schemeClr>
+    </cs:fontRef>
+    <cs:defRPr sz="900" kern="1200"/>
+  </cs:trendlineLabel>
+  <cs:upBar>
+    <cs:lnRef idx="0"/>
+    <cs:fillRef idx="0"/>
+    <cs:effectRef idx="0"/>
+    <cs:fontRef idx="minor">
+      <a:schemeClr val="tx1"/>
+    </cs:fontRef>
+    <cs:spPr>
+      <a:solidFill>
+        <a:schemeClr val="lt1"/>
+      </a:solidFill>
+      <a:ln w="9525" cap="flat" cmpd="sng" algn="ctr">
+        <a:solidFill>
+          <a:schemeClr val="tx1">
+            <a:lumMod val="65000"/>
+            <a:lumOff val="35000"/>
+          </a:schemeClr>
+        </a:solidFill>
+        <a:round/>
+      </a:ln>
+    </cs:spPr>
+  </cs:upBar>
+  <cs:valueAxis>
+    <cs:lnRef idx="0"/>
+    <cs:fillRef idx="0"/>
+    <cs:effectRef idx="0"/>
+    <cs:fontRef idx="minor">
+      <a:schemeClr val="tx1">
+        <a:lumMod val="65000"/>
+        <a:lumOff val="35000"/>
+      </a:schemeClr>
+    </cs:fontRef>
+    <cs:defRPr sz="900" kern="1200"/>
+  </cs:valueAxis>
+  <cs:wall>
+    <cs:lnRef idx="0"/>
+    <cs:fillRef idx="0"/>
+    <cs:effectRef idx="0"/>
+    <cs:fontRef idx="minor">
+      <a:schemeClr val="tx1"/>
+    </cs:fontRef>
+    <cs:spPr>
+      <a:noFill/>
+      <a:ln>
+        <a:noFill/>
+      </a:ln>
+    </cs:spPr>
+  </cs:wall>
+</cs:chartStyle>
+</file>
+
 <file path=ppt/drawings/drawing1.xml><?xml version="1.0" encoding="utf-8"?>
 <c:userShapes xmlns:c="http://schemas.openxmlformats.org/drawingml/2006/chart">
   <cdr:relSizeAnchor xmlns:cdr="http://schemas.openxmlformats.org/drawingml/2006/chartDrawing">
@@ -3851,6 +8429,89 @@
     </p:spTree>
     <p:extLst>
       <p:ext uri="{BB962C8B-B14F-4D97-AF65-F5344CB8AC3E}">
+        <p14:creationId xmlns:p14="http://schemas.microsoft.com/office/powerpoint/2010/main" val="984541709"/>
+      </p:ext>
+    </p:extLst>
+  </p:cSld>
+  <p:clrMapOvr>
+    <a:masterClrMapping/>
+  </p:clrMapOvr>
+</p:notes>
+</file>
+
+<file path=ppt/notesSlides/notesSlide11.xml><?xml version="1.0" encoding="utf-8"?>
+<p:notes xmlns:a="http://schemas.openxmlformats.org/drawingml/2006/main" xmlns:r="http://schemas.openxmlformats.org/officeDocument/2006/relationships" xmlns:p="http://schemas.openxmlformats.org/presentationml/2006/main">
+  <p:cSld>
+    <p:spTree>
+      <p:nvGrpSpPr>
+        <p:cNvPr id="1" name=""/>
+        <p:cNvGrpSpPr/>
+        <p:nvPr/>
+      </p:nvGrpSpPr>
+      <p:grpSpPr>
+        <a:xfrm>
+          <a:off x="0" y="0"/>
+          <a:ext cx="0" cy="0"/>
+          <a:chOff x="0" y="0"/>
+          <a:chExt cx="0" cy="0"/>
+        </a:xfrm>
+      </p:grpSpPr>
+      <p:sp>
+        <p:nvSpPr>
+          <p:cNvPr id="2" name="Slide Image Placeholder 1"/>
+          <p:cNvSpPr>
+            <a:spLocks noGrp="1" noRot="1" noChangeAspect="1"/>
+          </p:cNvSpPr>
+          <p:nvPr>
+            <p:ph type="sldImg"/>
+          </p:nvPr>
+        </p:nvSpPr>
+        <p:spPr>
+          <a:xfrm>
+            <a:off x="-457200" y="3048000"/>
+            <a:ext cx="14630400" cy="8229600"/>
+          </a:xfrm>
+          <a:prstGeom prst="rect">
+            <a:avLst/>
+          </a:prstGeom>
+          <a:noFill/>
+          <a:ln w="12700">
+            <a:solidFill>
+              <a:prstClr val="black"/>
+            </a:solidFill>
+          </a:ln>
+        </p:spPr>
+      </p:sp>
+      <p:sp>
+        <p:nvSpPr>
+          <p:cNvPr id="3" name="Notes Placeholder 2"/>
+          <p:cNvSpPr>
+            <a:spLocks noGrp="1"/>
+          </p:cNvSpPr>
+          <p:nvPr>
+            <p:ph type="body" idx="1"/>
+          </p:nvPr>
+        </p:nvSpPr>
+        <p:spPr>
+          <a:xfrm>
+            <a:off x="1371600" y="11734800"/>
+            <a:ext cx="10972800" cy="9601200"/>
+          </a:xfrm>
+          <a:prstGeom prst="rect">
+            <a:avLst/>
+          </a:prstGeom>
+        </p:spPr>
+        <p:txBody>
+          <a:bodyPr/>
+          <a:lstStyle/>
+          <a:p>
+            <a:endParaRPr lang="en-US" dirty="0"/>
+          </a:p>
+        </p:txBody>
+      </p:sp>
+    </p:spTree>
+    <p:extLst>
+      <p:ext uri="{BB962C8B-B14F-4D97-AF65-F5344CB8AC3E}">
         <p14:creationId xmlns:p14="http://schemas.microsoft.com/office/powerpoint/2010/main" val="4110138705"/>
       </p:ext>
     </p:extLst>
@@ -3861,7 +8522,7 @@
 </p:notes>
 </file>
 
-<file path=ppt/notesSlides/notesSlide11.xml><?xml version="1.0" encoding="utf-8"?>
+<file path=ppt/notesSlides/notesSlide12.xml><?xml version="1.0" encoding="utf-8"?>
 <p:notes xmlns:a="http://schemas.openxmlformats.org/drawingml/2006/main" xmlns:r="http://schemas.openxmlformats.org/officeDocument/2006/relationships" xmlns:p="http://schemas.openxmlformats.org/presentationml/2006/main">
   <p:cSld>
     <p:spTree>
@@ -4447,7 +9108,13 @@
   <p:cSld>
     <p:spTree>
       <p:nvGrpSpPr>
-        <p:cNvPr id="1" name=""/>
+        <p:cNvPr id="1" name="">
+          <a:extLst>
+            <a:ext uri="{FF2B5EF4-FFF2-40B4-BE49-F238E27FC236}">
+              <a16:creationId xmlns:a16="http://schemas.microsoft.com/office/drawing/2014/main" id="{73E2DD02-97FC-5684-49A6-D8A119A04B97}"/>
+            </a:ext>
+          </a:extLst>
+        </p:cNvPr>
         <p:cNvGrpSpPr/>
         <p:nvPr/>
       </p:nvGrpSpPr>
@@ -4461,7 +9128,13 @@
       </p:grpSpPr>
       <p:sp>
         <p:nvSpPr>
-          <p:cNvPr id="2" name="Slide Image Placeholder 1"/>
+          <p:cNvPr id="2" name="Slide Image Placeholder 1">
+            <a:extLst>
+              <a:ext uri="{FF2B5EF4-FFF2-40B4-BE49-F238E27FC236}">
+                <a16:creationId xmlns:a16="http://schemas.microsoft.com/office/drawing/2014/main" id="{4E947F85-23DD-8FF7-3218-AE976AAB39B9}"/>
+              </a:ext>
+            </a:extLst>
+          </p:cNvPr>
           <p:cNvSpPr>
             <a:spLocks noGrp="1" noRot="1" noChangeAspect="1"/>
           </p:cNvSpPr>
@@ -4487,7 +9160,13 @@
       </p:sp>
       <p:sp>
         <p:nvSpPr>
-          <p:cNvPr id="3" name="Notes Placeholder 2"/>
+          <p:cNvPr id="3" name="Notes Placeholder 2">
+            <a:extLst>
+              <a:ext uri="{FF2B5EF4-FFF2-40B4-BE49-F238E27FC236}">
+                <a16:creationId xmlns:a16="http://schemas.microsoft.com/office/drawing/2014/main" id="{31B0DE02-F640-BEB0-94F9-0F8B9CD07D0F}"/>
+              </a:ext>
+            </a:extLst>
+          </p:cNvPr>
           <p:cNvSpPr>
             <a:spLocks noGrp="1"/>
           </p:cNvSpPr>
@@ -4515,7 +9194,7 @@
     </p:spTree>
     <p:extLst>
       <p:ext uri="{BB962C8B-B14F-4D97-AF65-F5344CB8AC3E}">
-        <p14:creationId xmlns:p14="http://schemas.microsoft.com/office/powerpoint/2010/main" val="2761241867"/>
+        <p14:creationId xmlns:p14="http://schemas.microsoft.com/office/powerpoint/2010/main" val="2155736445"/>
       </p:ext>
     </p:extLst>
   </p:cSld>
@@ -4598,7 +9277,7 @@
     </p:spTree>
     <p:extLst>
       <p:ext uri="{BB962C8B-B14F-4D97-AF65-F5344CB8AC3E}">
-        <p14:creationId xmlns:p14="http://schemas.microsoft.com/office/powerpoint/2010/main" val="984541709"/>
+        <p14:creationId xmlns:p14="http://schemas.microsoft.com/office/powerpoint/2010/main" val="2761241867"/>
       </p:ext>
     </p:extLst>
   </p:cSld>
@@ -20852,6 +25531,214 @@
       </p:grpSpPr>
       <p:sp>
         <p:nvSpPr>
+          <p:cNvPr id="3" name="Title 2">
+            <a:extLst>
+              <a:ext uri="{FF2B5EF4-FFF2-40B4-BE49-F238E27FC236}">
+                <a16:creationId xmlns:a16="http://schemas.microsoft.com/office/drawing/2014/main" id="{9443EC8A-1733-CCF7-081F-EB4667CB3285}"/>
+              </a:ext>
+            </a:extLst>
+          </p:cNvPr>
+          <p:cNvSpPr>
+            <a:spLocks noGrp="1"/>
+          </p:cNvSpPr>
+          <p:nvPr>
+            <p:ph type="title"/>
+          </p:nvPr>
+        </p:nvSpPr>
+        <p:spPr>
+          <a:xfrm>
+            <a:off x="914400" y="1057274"/>
+            <a:ext cx="7843837" cy="1012782"/>
+          </a:xfrm>
+        </p:spPr>
+        <p:txBody>
+          <a:bodyPr/>
+          <a:lstStyle/>
+          <a:p>
+            <a:r>
+              <a:rPr lang="en-US" dirty="0"/>
+              <a:t>Challenges, the many</a:t>
+            </a:r>
+          </a:p>
+        </p:txBody>
+      </p:sp>
+      <p:sp>
+        <p:nvSpPr>
+          <p:cNvPr id="4" name="Content Placeholder 3">
+            <a:extLst>
+              <a:ext uri="{FF2B5EF4-FFF2-40B4-BE49-F238E27FC236}">
+                <a16:creationId xmlns:a16="http://schemas.microsoft.com/office/drawing/2014/main" id="{ACE55D3D-AA24-CF53-6679-29B3C83F7646}"/>
+              </a:ext>
+            </a:extLst>
+          </p:cNvPr>
+          <p:cNvSpPr>
+            <a:spLocks noGrp="1"/>
+          </p:cNvSpPr>
+          <p:nvPr>
+            <p:ph idx="13"/>
+          </p:nvPr>
+        </p:nvSpPr>
+        <p:spPr>
+          <a:xfrm>
+            <a:off x="914400" y="2331791"/>
+            <a:ext cx="6903076" cy="3721817"/>
+          </a:xfrm>
+        </p:spPr>
+        <p:txBody>
+          <a:bodyPr/>
+          <a:lstStyle/>
+          <a:p>
+            <a:pPr marL="342900" indent="-342900">
+              <a:buFont typeface="Arial" panose="020B0604020202020204" pitchFamily="34" charset="0"/>
+              <a:buChar char="•"/>
+            </a:pPr>
+            <a:r>
+              <a:rPr lang="en-US" dirty="0"/>
+              <a:t>No real Primary Keys</a:t>
+            </a:r>
+          </a:p>
+          <a:p>
+            <a:pPr marL="342900" indent="-342900">
+              <a:buFont typeface="Arial" panose="020B0604020202020204" pitchFamily="34" charset="0"/>
+              <a:buChar char="•"/>
+            </a:pPr>
+            <a:r>
+              <a:rPr lang="en-US" dirty="0"/>
+              <a:t>Data has not been normalized</a:t>
+            </a:r>
+          </a:p>
+          <a:p>
+            <a:pPr marL="342900" indent="-342900">
+              <a:buFont typeface="Arial" panose="020B0604020202020204" pitchFamily="34" charset="0"/>
+              <a:buChar char="•"/>
+            </a:pPr>
+            <a:r>
+              <a:rPr lang="en-US" dirty="0"/>
+              <a:t>Same data repeated in multiple parts of the database with different values</a:t>
+            </a:r>
+          </a:p>
+          <a:p>
+            <a:pPr marL="342900" indent="-342900">
+              <a:buFont typeface="Arial" panose="020B0604020202020204" pitchFamily="34" charset="0"/>
+              <a:buChar char="•"/>
+            </a:pPr>
+            <a:r>
+              <a:rPr lang="en-US" dirty="0"/>
+              <a:t>Discovering which sections contain useful information and which sections do not.</a:t>
+            </a:r>
+          </a:p>
+          <a:p>
+            <a:pPr marL="342900" indent="-342900">
+              <a:buFont typeface="Arial" panose="020B0604020202020204" pitchFamily="34" charset="0"/>
+              <a:buChar char="•"/>
+            </a:pPr>
+            <a:endParaRPr lang="en-US" dirty="0"/>
+          </a:p>
+        </p:txBody>
+      </p:sp>
+      <p:pic>
+        <p:nvPicPr>
+          <p:cNvPr id="7" name="Picture Placeholder 6" descr="A person wearing glasses and a blue shirt">
+            <a:extLst>
+              <a:ext uri="{FF2B5EF4-FFF2-40B4-BE49-F238E27FC236}">
+                <a16:creationId xmlns:a16="http://schemas.microsoft.com/office/drawing/2014/main" id="{C570EB79-053B-0283-9D2D-6266701EEDDD}"/>
+              </a:ext>
+            </a:extLst>
+          </p:cNvPr>
+          <p:cNvPicPr>
+            <a:picLocks noGrp="1" noChangeAspect="1"/>
+          </p:cNvPicPr>
+          <p:nvPr>
+            <p:ph type="pic" sz="quarter" idx="14"/>
+          </p:nvPr>
+        </p:nvPicPr>
+        <p:blipFill rotWithShape="1">
+          <a:blip r:embed="rId3">
+            <a:duotone>
+              <a:prstClr val="black"/>
+              <a:schemeClr val="accent4">
+                <a:tint val="45000"/>
+                <a:satMod val="400000"/>
+              </a:schemeClr>
+            </a:duotone>
+          </a:blip>
+          <a:srcRect l="19088" r="19088"/>
+          <a:stretch/>
+        </p:blipFill>
+        <p:spPr>
+          <a:xfrm>
+            <a:off x="8989454" y="3405189"/>
+            <a:ext cx="3202546" cy="3452811"/>
+          </a:xfrm>
+        </p:spPr>
+      </p:pic>
+      <p:sp>
+        <p:nvSpPr>
+          <p:cNvPr id="2" name="Slide Number Placeholder 1">
+            <a:extLst>
+              <a:ext uri="{FF2B5EF4-FFF2-40B4-BE49-F238E27FC236}">
+                <a16:creationId xmlns:a16="http://schemas.microsoft.com/office/drawing/2014/main" id="{AB69D854-FB65-0E93-CFE2-041F7C41DD24}"/>
+              </a:ext>
+            </a:extLst>
+          </p:cNvPr>
+          <p:cNvSpPr>
+            <a:spLocks noGrp="1"/>
+          </p:cNvSpPr>
+          <p:nvPr>
+            <p:ph type="sldNum" sz="quarter" idx="10"/>
+          </p:nvPr>
+        </p:nvSpPr>
+        <p:spPr>
+          <a:xfrm>
+            <a:off x="10438475" y="457199"/>
+            <a:ext cx="987552" cy="471489"/>
+          </a:xfrm>
+        </p:spPr>
+        <p:txBody>
+          <a:bodyPr/>
+          <a:lstStyle/>
+          <a:p>
+            <a:fld id="{48F63A3B-78C7-47BE-AE5E-E10140E04643}" type="slidenum">
+              <a:rPr lang="en-US" smtClean="0"/>
+              <a:pPr/>
+              <a:t>10</a:t>
+            </a:fld>
+            <a:endParaRPr lang="en-US" dirty="0"/>
+          </a:p>
+        </p:txBody>
+      </p:sp>
+    </p:spTree>
+    <p:extLst>
+      <p:ext uri="{BB962C8B-B14F-4D97-AF65-F5344CB8AC3E}">
+        <p14:creationId xmlns:p14="http://schemas.microsoft.com/office/powerpoint/2010/main" val="4072101725"/>
+      </p:ext>
+    </p:extLst>
+  </p:cSld>
+  <p:clrMapOvr>
+    <a:masterClrMapping/>
+  </p:clrMapOvr>
+</p:sld>
+</file>
+
+<file path=ppt/slides/slide11.xml><?xml version="1.0" encoding="utf-8"?>
+<p:sld xmlns:a="http://schemas.openxmlformats.org/drawingml/2006/main" xmlns:r="http://schemas.openxmlformats.org/officeDocument/2006/relationships" xmlns:p="http://schemas.openxmlformats.org/presentationml/2006/main">
+  <p:cSld>
+    <p:spTree>
+      <p:nvGrpSpPr>
+        <p:cNvPr id="1" name=""/>
+        <p:cNvGrpSpPr/>
+        <p:nvPr/>
+      </p:nvGrpSpPr>
+      <p:grpSpPr>
+        <a:xfrm>
+          <a:off x="0" y="0"/>
+          <a:ext cx="0" cy="0"/>
+          <a:chOff x="0" y="0"/>
+          <a:chExt cx="0" cy="0"/>
+        </a:xfrm>
+      </p:grpSpPr>
+      <p:sp>
+        <p:nvSpPr>
           <p:cNvPr id="5" name="Title 4">
             <a:extLst>
               <a:ext uri="{FF2B5EF4-FFF2-40B4-BE49-F238E27FC236}">
@@ -21337,7 +26224,7 @@
             <a:fld id="{48F63A3B-78C7-47BE-AE5E-E10140E04643}" type="slidenum">
               <a:rPr lang="en-US" smtClean="0"/>
               <a:pPr/>
-              <a:t>10</a:t>
+              <a:t>11</a:t>
             </a:fld>
             <a:endParaRPr lang="en-US" dirty="0"/>
           </a:p>
@@ -21356,7 +26243,7 @@
 </p:sld>
 </file>
 
-<file path=ppt/slides/slide11.xml><?xml version="1.0" encoding="utf-8"?>
+<file path=ppt/slides/slide12.xml><?xml version="1.0" encoding="utf-8"?>
 <p:sld xmlns:a="http://schemas.openxmlformats.org/drawingml/2006/main" xmlns:r="http://schemas.openxmlformats.org/officeDocument/2006/relationships" xmlns:p="http://schemas.openxmlformats.org/presentationml/2006/main">
   <p:cSld>
     <p:spTree>
@@ -22434,6 +27321,141 @@
   <p:cSld>
     <p:spTree>
       <p:nvGrpSpPr>
+        <p:cNvPr id="1" name="">
+          <a:extLst>
+            <a:ext uri="{FF2B5EF4-FFF2-40B4-BE49-F238E27FC236}">
+              <a16:creationId xmlns:a16="http://schemas.microsoft.com/office/drawing/2014/main" id="{069784CF-A06A-11C3-4955-5FC896C08DF1}"/>
+            </a:ext>
+          </a:extLst>
+        </p:cNvPr>
+        <p:cNvGrpSpPr/>
+        <p:nvPr/>
+      </p:nvGrpSpPr>
+      <p:grpSpPr>
+        <a:xfrm>
+          <a:off x="0" y="0"/>
+          <a:ext cx="0" cy="0"/>
+          <a:chOff x="0" y="0"/>
+          <a:chExt cx="0" cy="0"/>
+        </a:xfrm>
+      </p:grpSpPr>
+      <p:sp>
+        <p:nvSpPr>
+          <p:cNvPr id="3" name="Title 2">
+            <a:extLst>
+              <a:ext uri="{FF2B5EF4-FFF2-40B4-BE49-F238E27FC236}">
+                <a16:creationId xmlns:a16="http://schemas.microsoft.com/office/drawing/2014/main" id="{A5C4E286-3DCB-9DD3-F063-6FECFD7E4EC0}"/>
+              </a:ext>
+            </a:extLst>
+          </p:cNvPr>
+          <p:cNvSpPr>
+            <a:spLocks noGrp="1"/>
+          </p:cNvSpPr>
+          <p:nvPr>
+            <p:ph type="title"/>
+          </p:nvPr>
+        </p:nvSpPr>
+        <p:spPr>
+          <a:xfrm>
+            <a:off x="914400" y="965393"/>
+            <a:ext cx="7631709" cy="1091627"/>
+          </a:xfrm>
+        </p:spPr>
+        <p:txBody>
+          <a:bodyPr/>
+          <a:lstStyle/>
+          <a:p>
+            <a:pPr algn="ctr"/>
+            <a:r>
+              <a:rPr lang="en-US" sz="2400" dirty="0"/>
+              <a:t>Why is it skewed?</a:t>
+            </a:r>
+          </a:p>
+        </p:txBody>
+      </p:sp>
+      <p:sp>
+        <p:nvSpPr>
+          <p:cNvPr id="4" name="Slide Number Placeholder 3">
+            <a:extLst>
+              <a:ext uri="{FF2B5EF4-FFF2-40B4-BE49-F238E27FC236}">
+                <a16:creationId xmlns:a16="http://schemas.microsoft.com/office/drawing/2014/main" id="{471F1B2B-E857-B327-1073-48BA060144FA}"/>
+              </a:ext>
+            </a:extLst>
+          </p:cNvPr>
+          <p:cNvSpPr>
+            <a:spLocks noGrp="1"/>
+          </p:cNvSpPr>
+          <p:nvPr>
+            <p:ph type="sldNum" sz="quarter" idx="10"/>
+          </p:nvPr>
+        </p:nvSpPr>
+        <p:spPr>
+          <a:xfrm>
+            <a:off x="10358437" y="457199"/>
+            <a:ext cx="1067589" cy="471489"/>
+          </a:xfrm>
+        </p:spPr>
+        <p:txBody>
+          <a:bodyPr/>
+          <a:lstStyle/>
+          <a:p>
+            <a:fld id="{48F63A3B-78C7-47BE-AE5E-E10140E04643}" type="slidenum">
+              <a:rPr lang="en-US" smtClean="0"/>
+              <a:pPr/>
+              <a:t>8</a:t>
+            </a:fld>
+            <a:endParaRPr lang="en-US" dirty="0"/>
+          </a:p>
+        </p:txBody>
+      </p:sp>
+      <p:graphicFrame>
+        <p:nvGraphicFramePr>
+          <p:cNvPr id="2" name="Chart 1">
+            <a:extLst>
+              <a:ext uri="{FF2B5EF4-FFF2-40B4-BE49-F238E27FC236}">
+                <a16:creationId xmlns:a16="http://schemas.microsoft.com/office/drawing/2014/main" id="{673AA984-290B-A62C-E8F8-A476DC7F509D}"/>
+              </a:ext>
+            </a:extLst>
+          </p:cNvPr>
+          <p:cNvGraphicFramePr>
+            <a:graphicFrameLocks/>
+          </p:cNvGraphicFramePr>
+          <p:nvPr>
+            <p:extLst>
+              <p:ext uri="{D42A27DB-BD31-4B8C-83A1-F6EECF244321}">
+                <p14:modId xmlns:p14="http://schemas.microsoft.com/office/powerpoint/2010/main" val="254953475"/>
+              </p:ext>
+            </p:extLst>
+          </p:nvPr>
+        </p:nvGraphicFramePr>
+        <p:xfrm>
+          <a:off x="1812523" y="2510160"/>
+          <a:ext cx="7631709" cy="3633187"/>
+        </p:xfrm>
+        <a:graphic>
+          <a:graphicData uri="http://schemas.openxmlformats.org/drawingml/2006/chart">
+            <c:chart xmlns:c="http://schemas.openxmlformats.org/drawingml/2006/chart" xmlns:r="http://schemas.openxmlformats.org/officeDocument/2006/relationships" r:id="rId3"/>
+          </a:graphicData>
+        </a:graphic>
+      </p:graphicFrame>
+    </p:spTree>
+    <p:extLst>
+      <p:ext uri="{BB962C8B-B14F-4D97-AF65-F5344CB8AC3E}">
+        <p14:creationId xmlns:p14="http://schemas.microsoft.com/office/powerpoint/2010/main" val="977442799"/>
+      </p:ext>
+    </p:extLst>
+  </p:cSld>
+  <p:clrMapOvr>
+    <a:masterClrMapping/>
+  </p:clrMapOvr>
+</p:sld>
+</file>
+
+<file path=ppt/slides/slide9.xml><?xml version="1.0" encoding="utf-8"?>
+<p:sld xmlns:a="http://schemas.openxmlformats.org/drawingml/2006/main" xmlns:r="http://schemas.openxmlformats.org/officeDocument/2006/relationships" xmlns:p="http://schemas.openxmlformats.org/presentationml/2006/main">
+  <p:cSld>
+    <p:spTree>
+      <p:nvGrpSpPr>
         <p:cNvPr id="1" name=""/>
         <p:cNvGrpSpPr/>
         <p:nvPr/>
@@ -22508,7 +27530,7 @@
             <a:fld id="{48F63A3B-78C7-47BE-AE5E-E10140E04643}" type="slidenum">
               <a:rPr lang="en-US" smtClean="0"/>
               <a:pPr/>
-              <a:t>8</a:t>
+              <a:t>9</a:t>
             </a:fld>
             <a:endParaRPr lang="en-US" dirty="0"/>
           </a:p>
@@ -22548,214 +27570,6 @@
     <p:extLst>
       <p:ext uri="{BB962C8B-B14F-4D97-AF65-F5344CB8AC3E}">
         <p14:creationId xmlns:p14="http://schemas.microsoft.com/office/powerpoint/2010/main" val="3338403236"/>
-      </p:ext>
-    </p:extLst>
-  </p:cSld>
-  <p:clrMapOvr>
-    <a:masterClrMapping/>
-  </p:clrMapOvr>
-</p:sld>
-</file>
-
-<file path=ppt/slides/slide9.xml><?xml version="1.0" encoding="utf-8"?>
-<p:sld xmlns:a="http://schemas.openxmlformats.org/drawingml/2006/main" xmlns:r="http://schemas.openxmlformats.org/officeDocument/2006/relationships" xmlns:p="http://schemas.openxmlformats.org/presentationml/2006/main">
-  <p:cSld>
-    <p:spTree>
-      <p:nvGrpSpPr>
-        <p:cNvPr id="1" name=""/>
-        <p:cNvGrpSpPr/>
-        <p:nvPr/>
-      </p:nvGrpSpPr>
-      <p:grpSpPr>
-        <a:xfrm>
-          <a:off x="0" y="0"/>
-          <a:ext cx="0" cy="0"/>
-          <a:chOff x="0" y="0"/>
-          <a:chExt cx="0" cy="0"/>
-        </a:xfrm>
-      </p:grpSpPr>
-      <p:sp>
-        <p:nvSpPr>
-          <p:cNvPr id="3" name="Title 2">
-            <a:extLst>
-              <a:ext uri="{FF2B5EF4-FFF2-40B4-BE49-F238E27FC236}">
-                <a16:creationId xmlns:a16="http://schemas.microsoft.com/office/drawing/2014/main" id="{9443EC8A-1733-CCF7-081F-EB4667CB3285}"/>
-              </a:ext>
-            </a:extLst>
-          </p:cNvPr>
-          <p:cNvSpPr>
-            <a:spLocks noGrp="1"/>
-          </p:cNvSpPr>
-          <p:nvPr>
-            <p:ph type="title"/>
-          </p:nvPr>
-        </p:nvSpPr>
-        <p:spPr>
-          <a:xfrm>
-            <a:off x="914400" y="1057274"/>
-            <a:ext cx="7843837" cy="1012782"/>
-          </a:xfrm>
-        </p:spPr>
-        <p:txBody>
-          <a:bodyPr/>
-          <a:lstStyle/>
-          <a:p>
-            <a:r>
-              <a:rPr lang="en-US" dirty="0"/>
-              <a:t>Challenges, the many</a:t>
-            </a:r>
-          </a:p>
-        </p:txBody>
-      </p:sp>
-      <p:sp>
-        <p:nvSpPr>
-          <p:cNvPr id="4" name="Content Placeholder 3">
-            <a:extLst>
-              <a:ext uri="{FF2B5EF4-FFF2-40B4-BE49-F238E27FC236}">
-                <a16:creationId xmlns:a16="http://schemas.microsoft.com/office/drawing/2014/main" id="{ACE55D3D-AA24-CF53-6679-29B3C83F7646}"/>
-              </a:ext>
-            </a:extLst>
-          </p:cNvPr>
-          <p:cNvSpPr>
-            <a:spLocks noGrp="1"/>
-          </p:cNvSpPr>
-          <p:nvPr>
-            <p:ph idx="13"/>
-          </p:nvPr>
-        </p:nvSpPr>
-        <p:spPr>
-          <a:xfrm>
-            <a:off x="914400" y="2331791"/>
-            <a:ext cx="6903076" cy="3721817"/>
-          </a:xfrm>
-        </p:spPr>
-        <p:txBody>
-          <a:bodyPr/>
-          <a:lstStyle/>
-          <a:p>
-            <a:pPr marL="342900" indent="-342900">
-              <a:buFont typeface="Arial" panose="020B0604020202020204" pitchFamily="34" charset="0"/>
-              <a:buChar char="•"/>
-            </a:pPr>
-            <a:r>
-              <a:rPr lang="en-US" dirty="0"/>
-              <a:t>No real Primary Keys</a:t>
-            </a:r>
-          </a:p>
-          <a:p>
-            <a:pPr marL="342900" indent="-342900">
-              <a:buFont typeface="Arial" panose="020B0604020202020204" pitchFamily="34" charset="0"/>
-              <a:buChar char="•"/>
-            </a:pPr>
-            <a:r>
-              <a:rPr lang="en-US" dirty="0"/>
-              <a:t>Data has not been normalized</a:t>
-            </a:r>
-          </a:p>
-          <a:p>
-            <a:pPr marL="342900" indent="-342900">
-              <a:buFont typeface="Arial" panose="020B0604020202020204" pitchFamily="34" charset="0"/>
-              <a:buChar char="•"/>
-            </a:pPr>
-            <a:r>
-              <a:rPr lang="en-US" dirty="0"/>
-              <a:t>Same data repeated in multiple parts of the database with different values</a:t>
-            </a:r>
-          </a:p>
-          <a:p>
-            <a:pPr marL="342900" indent="-342900">
-              <a:buFont typeface="Arial" panose="020B0604020202020204" pitchFamily="34" charset="0"/>
-              <a:buChar char="•"/>
-            </a:pPr>
-            <a:r>
-              <a:rPr lang="en-US" dirty="0"/>
-              <a:t>Discovering which sections contain useful information and which sections do not.</a:t>
-            </a:r>
-          </a:p>
-          <a:p>
-            <a:pPr marL="342900" indent="-342900">
-              <a:buFont typeface="Arial" panose="020B0604020202020204" pitchFamily="34" charset="0"/>
-              <a:buChar char="•"/>
-            </a:pPr>
-            <a:endParaRPr lang="en-US" dirty="0"/>
-          </a:p>
-        </p:txBody>
-      </p:sp>
-      <p:pic>
-        <p:nvPicPr>
-          <p:cNvPr id="7" name="Picture Placeholder 6" descr="A person wearing glasses and a blue shirt">
-            <a:extLst>
-              <a:ext uri="{FF2B5EF4-FFF2-40B4-BE49-F238E27FC236}">
-                <a16:creationId xmlns:a16="http://schemas.microsoft.com/office/drawing/2014/main" id="{C570EB79-053B-0283-9D2D-6266701EEDDD}"/>
-              </a:ext>
-            </a:extLst>
-          </p:cNvPr>
-          <p:cNvPicPr>
-            <a:picLocks noGrp="1" noChangeAspect="1"/>
-          </p:cNvPicPr>
-          <p:nvPr>
-            <p:ph type="pic" sz="quarter" idx="14"/>
-          </p:nvPr>
-        </p:nvPicPr>
-        <p:blipFill rotWithShape="1">
-          <a:blip r:embed="rId3">
-            <a:duotone>
-              <a:prstClr val="black"/>
-              <a:schemeClr val="accent4">
-                <a:tint val="45000"/>
-                <a:satMod val="400000"/>
-              </a:schemeClr>
-            </a:duotone>
-          </a:blip>
-          <a:srcRect l="19088" r="19088"/>
-          <a:stretch/>
-        </p:blipFill>
-        <p:spPr>
-          <a:xfrm>
-            <a:off x="8989454" y="3405189"/>
-            <a:ext cx="3202546" cy="3452811"/>
-          </a:xfrm>
-        </p:spPr>
-      </p:pic>
-      <p:sp>
-        <p:nvSpPr>
-          <p:cNvPr id="2" name="Slide Number Placeholder 1">
-            <a:extLst>
-              <a:ext uri="{FF2B5EF4-FFF2-40B4-BE49-F238E27FC236}">
-                <a16:creationId xmlns:a16="http://schemas.microsoft.com/office/drawing/2014/main" id="{AB69D854-FB65-0E93-CFE2-041F7C41DD24}"/>
-              </a:ext>
-            </a:extLst>
-          </p:cNvPr>
-          <p:cNvSpPr>
-            <a:spLocks noGrp="1"/>
-          </p:cNvSpPr>
-          <p:nvPr>
-            <p:ph type="sldNum" sz="quarter" idx="10"/>
-          </p:nvPr>
-        </p:nvSpPr>
-        <p:spPr>
-          <a:xfrm>
-            <a:off x="10438475" y="457199"/>
-            <a:ext cx="987552" cy="471489"/>
-          </a:xfrm>
-        </p:spPr>
-        <p:txBody>
-          <a:bodyPr/>
-          <a:lstStyle/>
-          <a:p>
-            <a:fld id="{48F63A3B-78C7-47BE-AE5E-E10140E04643}" type="slidenum">
-              <a:rPr lang="en-US" smtClean="0"/>
-              <a:pPr/>
-              <a:t>9</a:t>
-            </a:fld>
-            <a:endParaRPr lang="en-US" dirty="0"/>
-          </a:p>
-        </p:txBody>
-      </p:sp>
-    </p:spTree>
-    <p:extLst>
-      <p:ext uri="{BB962C8B-B14F-4D97-AF65-F5344CB8AC3E}">
-        <p14:creationId xmlns:p14="http://schemas.microsoft.com/office/powerpoint/2010/main" val="4072101725"/>
       </p:ext>
     </p:extLst>
   </p:cSld>
@@ -23557,15 +28371,6 @@
 </file>
 
 <file path=customXml/item1.xml><?xml version="1.0" encoding="utf-8"?>
-<?mso-contentType ?>
-<FormTemplates xmlns="http://schemas.microsoft.com/sharepoint/v3/contenttype/forms">
-  <Display>DocumentLibraryForm</Display>
-  <Edit>DocumentLibraryForm</Edit>
-  <New>DocumentLibraryForm</New>
-</FormTemplates>
-</file>
-
-<file path=customXml/item2.xml><?xml version="1.0" encoding="utf-8"?>
 <p:properties xmlns:p="http://schemas.microsoft.com/office/2006/metadata/properties" xmlns:xsi="http://www.w3.org/2001/XMLSchema-instance" xmlns:pc="http://schemas.microsoft.com/office/infopath/2007/PartnerControls">
   <documentManagement>
     <_ip_UnifiedCompliancePolicyUIAction xmlns="http://schemas.microsoft.com/sharepoint/v3" xsi:nil="true"/>
@@ -23583,6 +28388,15 @@
     <MediaServiceKeyPoints xmlns="71af3243-3dd4-4a8d-8c0d-dd76da1f02a5" xsi:nil="true"/>
   </documentManagement>
 </p:properties>
+</file>
+
+<file path=customXml/item2.xml><?xml version="1.0" encoding="utf-8"?>
+<?mso-contentType ?>
+<FormTemplates xmlns="http://schemas.microsoft.com/sharepoint/v3/contenttype/forms">
+  <Display>DocumentLibraryForm</Display>
+  <Edit>DocumentLibraryForm</Edit>
+  <New>DocumentLibraryForm</New>
+</FormTemplates>
 </file>
 
 <file path=customXml/item3.xml><?xml version="1.0" encoding="utf-8"?>
@@ -23898,14 +28712,6 @@
 </file>
 
 <file path=customXml/itemProps1.xml><?xml version="1.0" encoding="utf-8"?>
-<ds:datastoreItem xmlns:ds="http://schemas.openxmlformats.org/officeDocument/2006/customXml" ds:itemID="{16DBB56F-4362-4386-A1A1-3DF898896616}">
-  <ds:schemaRefs>
-    <ds:schemaRef ds:uri="http://schemas.microsoft.com/sharepoint/v3/contenttype/forms"/>
-  </ds:schemaRefs>
-</ds:datastoreItem>
-</file>
-
-<file path=customXml/itemProps2.xml><?xml version="1.0" encoding="utf-8"?>
 <ds:datastoreItem xmlns:ds="http://schemas.openxmlformats.org/officeDocument/2006/customXml" ds:itemID="{BA719FA4-954C-4FA8-82CB-206659C3B826}">
   <ds:schemaRefs>
     <ds:schemaRef ds:uri="http://schemas.microsoft.com/office/2006/metadata/properties"/>
@@ -23913,6 +28719,14 @@
     <ds:schemaRef ds:uri="http://schemas.microsoft.com/sharepoint/v3"/>
     <ds:schemaRef ds:uri="71af3243-3dd4-4a8d-8c0d-dd76da1f02a5"/>
     <ds:schemaRef ds:uri="230e9df3-be65-4c73-a93b-d1236ebd677e"/>
+  </ds:schemaRefs>
+</ds:datastoreItem>
+</file>
+
+<file path=customXml/itemProps2.xml><?xml version="1.0" encoding="utf-8"?>
+<ds:datastoreItem xmlns:ds="http://schemas.openxmlformats.org/officeDocument/2006/customXml" ds:itemID="{16DBB56F-4362-4386-A1A1-3DF898896616}">
+  <ds:schemaRefs>
+    <ds:schemaRef ds:uri="http://schemas.microsoft.com/sharepoint/v3/contenttype/forms"/>
   </ds:schemaRefs>
 </ds:datastoreItem>
 </file>
